--- a/2.Game Handle basic kit course/7.Automatic lighting/7.Automatic lighting.pptx
+++ b/2.Game Handle basic kit course/7.Automatic lighting/7.Automatic lighting.pptx
@@ -19,10 +19,9 @@
     <p:sldId id="320" r:id="rId14"/>
     <p:sldId id="319" r:id="rId15"/>
     <p:sldId id="321" r:id="rId16"/>
-    <p:sldId id="312" r:id="rId17"/>
-    <p:sldId id="270" r:id="rId18"/>
-    <p:sldId id="271" r:id="rId19"/>
-    <p:sldId id="272" r:id="rId20"/>
+    <p:sldId id="270" r:id="rId17"/>
+    <p:sldId id="271" r:id="rId18"/>
+    <p:sldId id="272" r:id="rId19"/>
   </p:sldIdLst>
   <p:sldSz cx="12192000" cy="6858000"/>
   <p:notesSz cx="7103745" cy="10234295"/>
@@ -2372,7 +2371,7 @@
         <a:spcBef>
           <a:spcPts val="1000"/>
         </a:spcBef>
-        <a:buFont typeface="Arial" panose="020B0604020202020204" pitchFamily="34" charset="0"/>
+        <a:buFont typeface="Arial" pitchFamily="34" charset="0"/>
         <a:buChar char="•"/>
         <a:defRPr sz="2800" kern="1200">
           <a:solidFill>
@@ -2390,7 +2389,7 @@
         <a:spcBef>
           <a:spcPts val="500"/>
         </a:spcBef>
-        <a:buFont typeface="Arial" panose="020B0604020202020204" pitchFamily="34" charset="0"/>
+        <a:buFont typeface="Arial" pitchFamily="34" charset="0"/>
         <a:buChar char="•"/>
         <a:defRPr sz="2400" kern="1200">
           <a:solidFill>
@@ -2408,7 +2407,7 @@
         <a:spcBef>
           <a:spcPts val="500"/>
         </a:spcBef>
-        <a:buFont typeface="Arial" panose="020B0604020202020204" pitchFamily="34" charset="0"/>
+        <a:buFont typeface="Arial" pitchFamily="34" charset="0"/>
         <a:buChar char="•"/>
         <a:defRPr sz="2000" kern="1200">
           <a:solidFill>
@@ -2426,7 +2425,7 @@
         <a:spcBef>
           <a:spcPts val="500"/>
         </a:spcBef>
-        <a:buFont typeface="Arial" panose="020B0604020202020204" pitchFamily="34" charset="0"/>
+        <a:buFont typeface="Arial" pitchFamily="34" charset="0"/>
         <a:buChar char="•"/>
         <a:defRPr sz="1800" kern="1200">
           <a:solidFill>
@@ -2444,7 +2443,7 @@
         <a:spcBef>
           <a:spcPts val="500"/>
         </a:spcBef>
-        <a:buFont typeface="Arial" panose="020B0604020202020204" pitchFamily="34" charset="0"/>
+        <a:buFont typeface="Arial" pitchFamily="34" charset="0"/>
         <a:buChar char="•"/>
         <a:defRPr sz="1800" kern="1200">
           <a:solidFill>
@@ -2462,7 +2461,7 @@
         <a:spcBef>
           <a:spcPts val="500"/>
         </a:spcBef>
-        <a:buFont typeface="Arial" panose="020B0604020202020204" pitchFamily="34" charset="0"/>
+        <a:buFont typeface="Arial" pitchFamily="34" charset="0"/>
         <a:buChar char="•"/>
         <a:defRPr sz="1800" kern="1200">
           <a:solidFill>
@@ -2480,7 +2479,7 @@
         <a:spcBef>
           <a:spcPts val="500"/>
         </a:spcBef>
-        <a:buFont typeface="Arial" panose="020B0604020202020204" pitchFamily="34" charset="0"/>
+        <a:buFont typeface="Arial" pitchFamily="34" charset="0"/>
         <a:buChar char="•"/>
         <a:defRPr sz="1800" kern="1200">
           <a:solidFill>
@@ -2498,7 +2497,7 @@
         <a:spcBef>
           <a:spcPts val="500"/>
         </a:spcBef>
-        <a:buFont typeface="Arial" panose="020B0604020202020204" pitchFamily="34" charset="0"/>
+        <a:buFont typeface="Arial" pitchFamily="34" charset="0"/>
         <a:buChar char="•"/>
         <a:defRPr sz="1800" kern="1200">
           <a:solidFill>
@@ -2516,7 +2515,7 @@
         <a:spcBef>
           <a:spcPts val="500"/>
         </a:spcBef>
-        <a:buFont typeface="Arial" panose="020B0604020202020204" pitchFamily="34" charset="0"/>
+        <a:buFont typeface="Arial" pitchFamily="34" charset="0"/>
         <a:buChar char="•"/>
         <a:defRPr sz="1800" kern="1200">
           <a:solidFill>
@@ -3397,8 +3396,8 @@
                     </a:srgbClr>
                   </a:outerShdw>
                 </a:effectLst>
-                <a:latin typeface="Arial" panose="020B0604020202020204" pitchFamily="34" charset="0"/>
-                <a:ea typeface="Arial" panose="020B0604020202020204" pitchFamily="34" charset="0"/>
+                <a:latin typeface="Arial" pitchFamily="34" charset="0"/>
+                <a:ea typeface="Arial" pitchFamily="34" charset="0"/>
                 <a:sym typeface="+mn-ea"/>
               </a:rPr>
               <a:t>Lesson 7</a:t>
@@ -3445,7 +3444,7 @@
                   <a:schemeClr val="accent2"/>
                 </a:solidFill>
                 <a:latin typeface="+mn-lt"/>
-                <a:ea typeface="微软雅黑" panose="020B0503020204020204" charset="-122"/>
+                <a:ea typeface="微软雅黑" charset="-122"/>
                 <a:cs typeface="+mn-lt"/>
               </a:rPr>
               <a:t>micro:bit p</a:t>
@@ -3456,7 +3455,7 @@
                   <a:schemeClr val="accent2"/>
                 </a:solidFill>
                 <a:latin typeface="+mn-lt"/>
-                <a:ea typeface="微软雅黑" panose="020B0503020204020204" charset="-122"/>
+                <a:ea typeface="微软雅黑" charset="-122"/>
                 <a:cs typeface="+mn-lt"/>
               </a:rPr>
               <a:t>rogramming tutorial</a:t>
@@ -3466,7 +3465,7 @@
                 <a:schemeClr val="accent2"/>
               </a:solidFill>
               <a:latin typeface="+mn-lt"/>
-              <a:ea typeface="微软雅黑" panose="020B0503020204020204" charset="-122"/>
+              <a:ea typeface="微软雅黑" charset="-122"/>
               <a:cs typeface="+mn-lt"/>
             </a:endParaRPr>
           </a:p>
@@ -3867,8 +3866,8 @@
                 <a:solidFill>
                   <a:schemeClr val="bg1"/>
                 </a:solidFill>
-                <a:latin typeface="微软雅黑" panose="020B0503020204020204" charset="-122"/>
-                <a:ea typeface="微软雅黑" panose="020B0503020204020204" charset="-122"/>
+                <a:latin typeface="微软雅黑" charset="-122"/>
+                <a:ea typeface="微软雅黑" charset="-122"/>
                 <a:sym typeface="+mn-ea"/>
               </a:rPr>
               <a:t> Yahboom</a:t>
@@ -3878,8 +3877,8 @@
                 <a:solidFill>
                   <a:schemeClr val="bg1"/>
                 </a:solidFill>
-                <a:latin typeface="微软雅黑" panose="020B0503020204020204" charset="-122"/>
-                <a:ea typeface="微软雅黑" panose="020B0503020204020204" charset="-122"/>
+                <a:latin typeface="微软雅黑" charset="-122"/>
+                <a:ea typeface="微软雅黑" charset="-122"/>
                 <a:sym typeface="+mn-ea"/>
               </a:rPr>
               <a:t>     </a:t>
@@ -3889,8 +3888,8 @@
                 <a:solidFill>
                   <a:schemeClr val="bg1"/>
                 </a:solidFill>
-                <a:latin typeface="微软雅黑" panose="020B0503020204020204" charset="-122"/>
-                <a:ea typeface="微软雅黑" panose="020B0503020204020204" charset="-122"/>
+                <a:latin typeface="微软雅黑" charset="-122"/>
+                <a:ea typeface="微软雅黑" charset="-122"/>
                 <a:sym typeface="+mn-ea"/>
               </a:rPr>
               <a:t>micro:bit t</a:t>
@@ -3900,8 +3899,8 @@
                 <a:solidFill>
                   <a:schemeClr val="bg1"/>
                 </a:solidFill>
-                <a:latin typeface="微软雅黑" panose="020B0503020204020204" charset="-122"/>
-                <a:ea typeface="微软雅黑" panose="020B0503020204020204" charset="-122"/>
+                <a:latin typeface="微软雅黑" charset="-122"/>
+                <a:ea typeface="微软雅黑" charset="-122"/>
                 <a:sym typeface="+mn-ea"/>
               </a:rPr>
               <a:t>utorial</a:t>
@@ -3910,8 +3909,8 @@
               <a:solidFill>
                 <a:schemeClr val="bg1"/>
               </a:solidFill>
-              <a:latin typeface="微软雅黑" panose="020B0503020204020204" charset="-122"/>
-              <a:ea typeface="微软雅黑" panose="020B0503020204020204" charset="-122"/>
+              <a:latin typeface="微软雅黑" charset="-122"/>
+              <a:ea typeface="微软雅黑" charset="-122"/>
               <a:sym typeface="+mn-ea"/>
             </a:endParaRPr>
           </a:p>
@@ -3951,8 +3950,8 @@
                     </a:srgbClr>
                   </a:outerShdw>
                 </a:effectLst>
-                <a:latin typeface="Arial" panose="020B0604020202020204" pitchFamily="34" charset="0"/>
-                <a:ea typeface="Arial" panose="020B0604020202020204" pitchFamily="34" charset="0"/>
+                <a:latin typeface="Arial" pitchFamily="34" charset="0"/>
+                <a:ea typeface="Arial" pitchFamily="34" charset="0"/>
                 <a:sym typeface="+mn-ea"/>
               </a:rPr>
               <a:t>micro:bit</a:t>
@@ -3969,8 +3968,8 @@
                     </a:srgbClr>
                   </a:outerShdw>
                 </a:effectLst>
-                <a:latin typeface="Arial" panose="020B0604020202020204" pitchFamily="34" charset="0"/>
-                <a:ea typeface="Arial" panose="020B0604020202020204" pitchFamily="34" charset="0"/>
+                <a:latin typeface="Arial" pitchFamily="34" charset="0"/>
+                <a:ea typeface="Arial" pitchFamily="34" charset="0"/>
                 <a:sym typeface="+mn-ea"/>
               </a:rPr>
               <a:t> </a:t>
@@ -3987,8 +3986,8 @@
                     </a:srgbClr>
                   </a:outerShdw>
                 </a:effectLst>
-                <a:latin typeface="Arial" panose="020B0604020202020204" pitchFamily="34" charset="0"/>
-                <a:ea typeface="Arial" panose="020B0604020202020204" pitchFamily="34" charset="0"/>
+                <a:latin typeface="Arial" pitchFamily="34" charset="0"/>
+                <a:ea typeface="Arial" pitchFamily="34" charset="0"/>
                 <a:sym typeface="+mn-ea"/>
               </a:rPr>
               <a:t>basic lesson 7</a:t>
@@ -4005,8 +4004,8 @@
                     </a:srgbClr>
                   </a:outerShdw>
                 </a:effectLst>
-                <a:latin typeface="Arial" panose="020B0604020202020204" pitchFamily="34" charset="0"/>
-                <a:ea typeface="Arial" panose="020B0604020202020204" pitchFamily="34" charset="0"/>
+                <a:latin typeface="Arial" pitchFamily="34" charset="0"/>
+                <a:ea typeface="Arial" pitchFamily="34" charset="0"/>
               </a:rPr>
               <a:t>“Automatic lighting”</a:t>
             </a:r>
@@ -4698,7 +4697,7 @@
                   <a:schemeClr val="accent2"/>
                 </a:solidFill>
                 <a:latin typeface="+mn-lt"/>
-                <a:ea typeface="微软雅黑" panose="020B0503020204020204" charset="-122"/>
+                <a:ea typeface="微软雅黑" charset="-122"/>
                 <a:cs typeface="+mn-lt"/>
               </a:rPr>
               <a:t>micro:bit p</a:t>
@@ -4709,7 +4708,7 @@
                   <a:schemeClr val="accent2"/>
                 </a:solidFill>
                 <a:latin typeface="+mn-lt"/>
-                <a:ea typeface="微软雅黑" panose="020B0503020204020204" charset="-122"/>
+                <a:ea typeface="微软雅黑" charset="-122"/>
                 <a:cs typeface="+mn-lt"/>
               </a:rPr>
               <a:t>rogramming tutorial</a:t>
@@ -4719,7 +4718,7 @@
                 <a:schemeClr val="accent2"/>
               </a:solidFill>
               <a:latin typeface="+mn-lt"/>
-              <a:ea typeface="微软雅黑" panose="020B0503020204020204" charset="-122"/>
+              <a:ea typeface="微软雅黑" charset="-122"/>
               <a:cs typeface="+mn-lt"/>
             </a:endParaRPr>
           </a:p>
@@ -5120,8 +5119,8 @@
                 <a:solidFill>
                   <a:schemeClr val="bg1"/>
                 </a:solidFill>
-                <a:latin typeface="微软雅黑" panose="020B0503020204020204" charset="-122"/>
-                <a:ea typeface="微软雅黑" panose="020B0503020204020204" charset="-122"/>
+                <a:latin typeface="微软雅黑" charset="-122"/>
+                <a:ea typeface="微软雅黑" charset="-122"/>
                 <a:sym typeface="+mn-ea"/>
               </a:rPr>
               <a:t> Yahboom</a:t>
@@ -5131,8 +5130,8 @@
                 <a:solidFill>
                   <a:schemeClr val="bg1"/>
                 </a:solidFill>
-                <a:latin typeface="微软雅黑" panose="020B0503020204020204" charset="-122"/>
-                <a:ea typeface="微软雅黑" panose="020B0503020204020204" charset="-122"/>
+                <a:latin typeface="微软雅黑" charset="-122"/>
+                <a:ea typeface="微软雅黑" charset="-122"/>
                 <a:sym typeface="+mn-ea"/>
               </a:rPr>
               <a:t>     </a:t>
@@ -5142,8 +5141,8 @@
                 <a:solidFill>
                   <a:schemeClr val="bg1"/>
                 </a:solidFill>
-                <a:latin typeface="微软雅黑" panose="020B0503020204020204" charset="-122"/>
-                <a:ea typeface="微软雅黑" panose="020B0503020204020204" charset="-122"/>
+                <a:latin typeface="微软雅黑" charset="-122"/>
+                <a:ea typeface="微软雅黑" charset="-122"/>
                 <a:sym typeface="+mn-ea"/>
               </a:rPr>
               <a:t>micro:bit t</a:t>
@@ -5153,8 +5152,8 @@
                 <a:solidFill>
                   <a:schemeClr val="bg1"/>
                 </a:solidFill>
-                <a:latin typeface="微软雅黑" panose="020B0503020204020204" charset="-122"/>
-                <a:ea typeface="微软雅黑" panose="020B0503020204020204" charset="-122"/>
+                <a:latin typeface="微软雅黑" charset="-122"/>
+                <a:ea typeface="微软雅黑" charset="-122"/>
                 <a:sym typeface="+mn-ea"/>
               </a:rPr>
               <a:t>utorial</a:t>
@@ -5163,8 +5162,8 @@
               <a:solidFill>
                 <a:schemeClr val="bg1"/>
               </a:solidFill>
-              <a:latin typeface="微软雅黑" panose="020B0503020204020204" charset="-122"/>
-              <a:ea typeface="微软雅黑" panose="020B0503020204020204" charset="-122"/>
+              <a:latin typeface="微软雅黑" charset="-122"/>
+              <a:ea typeface="微软雅黑" charset="-122"/>
               <a:sym typeface="+mn-ea"/>
             </a:endParaRPr>
           </a:p>
@@ -5757,7 +5756,7 @@
                   <a:schemeClr val="accent2"/>
                 </a:solidFill>
                 <a:latin typeface="+mn-lt"/>
-                <a:ea typeface="微软雅黑" panose="020B0503020204020204" charset="-122"/>
+                <a:ea typeface="微软雅黑" charset="-122"/>
                 <a:cs typeface="+mn-lt"/>
               </a:rPr>
               <a:t>micro:bit p</a:t>
@@ -5768,7 +5767,7 @@
                   <a:schemeClr val="accent2"/>
                 </a:solidFill>
                 <a:latin typeface="+mn-lt"/>
-                <a:ea typeface="微软雅黑" panose="020B0503020204020204" charset="-122"/>
+                <a:ea typeface="微软雅黑" charset="-122"/>
                 <a:cs typeface="+mn-lt"/>
               </a:rPr>
               <a:t>rogramming tutorial</a:t>
@@ -5778,7 +5777,7 @@
                 <a:schemeClr val="accent2"/>
               </a:solidFill>
               <a:latin typeface="+mn-lt"/>
-              <a:ea typeface="微软雅黑" panose="020B0503020204020204" charset="-122"/>
+              <a:ea typeface="微软雅黑" charset="-122"/>
               <a:cs typeface="+mn-lt"/>
             </a:endParaRPr>
           </a:p>
@@ -6179,8 +6178,8 @@
                 <a:solidFill>
                   <a:schemeClr val="bg1"/>
                 </a:solidFill>
-                <a:latin typeface="微软雅黑" panose="020B0503020204020204" charset="-122"/>
-                <a:ea typeface="微软雅黑" panose="020B0503020204020204" charset="-122"/>
+                <a:latin typeface="微软雅黑" charset="-122"/>
+                <a:ea typeface="微软雅黑" charset="-122"/>
                 <a:sym typeface="+mn-ea"/>
               </a:rPr>
               <a:t> Yahboom</a:t>
@@ -6190,8 +6189,8 @@
                 <a:solidFill>
                   <a:schemeClr val="bg1"/>
                 </a:solidFill>
-                <a:latin typeface="微软雅黑" panose="020B0503020204020204" charset="-122"/>
-                <a:ea typeface="微软雅黑" panose="020B0503020204020204" charset="-122"/>
+                <a:latin typeface="微软雅黑" charset="-122"/>
+                <a:ea typeface="微软雅黑" charset="-122"/>
                 <a:sym typeface="+mn-ea"/>
               </a:rPr>
               <a:t>     </a:t>
@@ -6201,8 +6200,8 @@
                 <a:solidFill>
                   <a:schemeClr val="bg1"/>
                 </a:solidFill>
-                <a:latin typeface="微软雅黑" panose="020B0503020204020204" charset="-122"/>
-                <a:ea typeface="微软雅黑" panose="020B0503020204020204" charset="-122"/>
+                <a:latin typeface="微软雅黑" charset="-122"/>
+                <a:ea typeface="微软雅黑" charset="-122"/>
                 <a:sym typeface="+mn-ea"/>
               </a:rPr>
               <a:t>micro:bit t</a:t>
@@ -6212,8 +6211,8 @@
                 <a:solidFill>
                   <a:schemeClr val="bg1"/>
                 </a:solidFill>
-                <a:latin typeface="微软雅黑" panose="020B0503020204020204" charset="-122"/>
-                <a:ea typeface="微软雅黑" panose="020B0503020204020204" charset="-122"/>
+                <a:latin typeface="微软雅黑" charset="-122"/>
+                <a:ea typeface="微软雅黑" charset="-122"/>
                 <a:sym typeface="+mn-ea"/>
               </a:rPr>
               <a:t>utorial</a:t>
@@ -6222,8 +6221,8 @@
               <a:solidFill>
                 <a:schemeClr val="bg1"/>
               </a:solidFill>
-              <a:latin typeface="微软雅黑" panose="020B0503020204020204" charset="-122"/>
-              <a:ea typeface="微软雅黑" panose="020B0503020204020204" charset="-122"/>
+              <a:latin typeface="微软雅黑" charset="-122"/>
+              <a:ea typeface="微软雅黑" charset="-122"/>
               <a:sym typeface="+mn-ea"/>
             </a:endParaRPr>
           </a:p>
@@ -6282,8 +6281,8 @@
                     <a:lumMod val="75000"/>
                   </a:schemeClr>
                 </a:solidFill>
-                <a:latin typeface="微软雅黑 Light" panose="020B0502040204020203" charset="-122"/>
-                <a:ea typeface="微软雅黑 Light" panose="020B0502040204020203" charset="-122"/>
+                <a:latin typeface="微软雅黑 Light" charset="-122"/>
+                <a:ea typeface="微软雅黑 Light" charset="-122"/>
               </a:rPr>
               <a:t>Turn off the colorful lights.</a:t>
             </a:r>
@@ -6293,8 +6292,8 @@
                   <a:lumMod val="75000"/>
                 </a:schemeClr>
               </a:solidFill>
-              <a:latin typeface="微软雅黑 Light" panose="020B0502040204020203" charset="-122"/>
-              <a:ea typeface="微软雅黑 Light" panose="020B0502040204020203" charset="-122"/>
+              <a:latin typeface="微软雅黑 Light" charset="-122"/>
+              <a:ea typeface="微软雅黑 Light" charset="-122"/>
             </a:endParaRPr>
           </a:p>
           <a:p>
@@ -6305,8 +6304,8 @@
                   <a:lumMod val="75000"/>
                 </a:schemeClr>
               </a:solidFill>
-              <a:latin typeface="微软雅黑 Light" panose="020B0502040204020203" charset="-122"/>
-              <a:ea typeface="微软雅黑 Light" panose="020B0502040204020203" charset="-122"/>
+              <a:latin typeface="微软雅黑 Light" charset="-122"/>
+              <a:ea typeface="微软雅黑 Light" charset="-122"/>
             </a:endParaRPr>
           </a:p>
           <a:p>
@@ -6318,7 +6317,7 @@
                     <a:lumMod val="75000"/>
                   </a:schemeClr>
                 </a:solidFill>
-                <a:ea typeface="宋体" panose="02010600030101010101" pitchFamily="2" charset="-122"/>
+                <a:ea typeface="宋体" pitchFamily="2" charset="-122"/>
                 <a:cs typeface="+mn-lt"/>
               </a:rPr>
               <a:t>Note: Every time you complete an experiment on a colorful light, you need to use a program that turns off the colorful lights. Otherwise the colorful lights will remain on.</a:t>
@@ -6329,7 +6328,7 @@
                   <a:lumMod val="75000"/>
                 </a:schemeClr>
               </a:solidFill>
-              <a:ea typeface="宋体" panose="02010600030101010101" pitchFamily="2" charset="-122"/>
+              <a:ea typeface="宋体" pitchFamily="2" charset="-122"/>
               <a:cs typeface="+mn-lt"/>
             </a:endParaRPr>
           </a:p>
@@ -6926,7 +6925,7 @@
                     <a:lumMod val="75000"/>
                   </a:schemeClr>
                 </a:solidFill>
-                <a:ea typeface="宋体" panose="02010600030101010101" pitchFamily="2" charset="-122"/>
+                <a:ea typeface="宋体" pitchFamily="2" charset="-122"/>
                 <a:cs typeface="+mn-lt"/>
               </a:rPr>
               <a:t>         </a:t>
@@ -6938,7 +6937,7 @@
                     <a:lumMod val="75000"/>
                   </a:schemeClr>
                 </a:solidFill>
-                <a:ea typeface="宋体" panose="02010600030101010101" pitchFamily="2" charset="-122"/>
+                <a:ea typeface="宋体" pitchFamily="2" charset="-122"/>
                 <a:cs typeface="+mn-lt"/>
               </a:rPr>
               <a:t>Use this building block when controlling the lights built into the </a:t>
@@ -6950,7 +6949,7 @@
                     <a:lumMod val="75000"/>
                   </a:schemeClr>
                 </a:solidFill>
-                <a:ea typeface="宋体" panose="02010600030101010101" pitchFamily="2" charset="-122"/>
+                <a:ea typeface="宋体" pitchFamily="2" charset="-122"/>
                 <a:cs typeface="+mn-lt"/>
               </a:rPr>
               <a:t>micro:bit Game Handle.</a:t>
@@ -6961,7 +6960,7 @@
                   <a:lumMod val="75000"/>
                 </a:schemeClr>
               </a:solidFill>
-              <a:ea typeface="宋体" panose="02010600030101010101" pitchFamily="2" charset="-122"/>
+              <a:ea typeface="宋体" pitchFamily="2" charset="-122"/>
               <a:cs typeface="+mn-lt"/>
             </a:endParaRPr>
           </a:p>
@@ -6992,7 +6991,7 @@
                   <a:schemeClr val="accent2"/>
                 </a:solidFill>
                 <a:latin typeface="+mn-lt"/>
-                <a:ea typeface="微软雅黑" panose="020B0503020204020204" charset="-122"/>
+                <a:ea typeface="微软雅黑" charset="-122"/>
                 <a:cs typeface="+mn-lt"/>
               </a:rPr>
               <a:t>micro:bit p</a:t>
@@ -7003,7 +7002,7 @@
                   <a:schemeClr val="accent2"/>
                 </a:solidFill>
                 <a:latin typeface="+mn-lt"/>
-                <a:ea typeface="微软雅黑" panose="020B0503020204020204" charset="-122"/>
+                <a:ea typeface="微软雅黑" charset="-122"/>
                 <a:cs typeface="+mn-lt"/>
               </a:rPr>
               <a:t>rogramming tutorial</a:t>
@@ -7013,7 +7012,7 @@
                 <a:schemeClr val="accent2"/>
               </a:solidFill>
               <a:latin typeface="+mn-lt"/>
-              <a:ea typeface="微软雅黑" panose="020B0503020204020204" charset="-122"/>
+              <a:ea typeface="微软雅黑" charset="-122"/>
               <a:cs typeface="+mn-lt"/>
             </a:endParaRPr>
           </a:p>
@@ -7414,8 +7413,8 @@
                 <a:solidFill>
                   <a:schemeClr val="bg1"/>
                 </a:solidFill>
-                <a:latin typeface="微软雅黑" panose="020B0503020204020204" charset="-122"/>
-                <a:ea typeface="微软雅黑" panose="020B0503020204020204" charset="-122"/>
+                <a:latin typeface="微软雅黑" charset="-122"/>
+                <a:ea typeface="微软雅黑" charset="-122"/>
                 <a:sym typeface="+mn-ea"/>
               </a:rPr>
               <a:t> Yahboom</a:t>
@@ -7425,8 +7424,8 @@
                 <a:solidFill>
                   <a:schemeClr val="bg1"/>
                 </a:solidFill>
-                <a:latin typeface="微软雅黑" panose="020B0503020204020204" charset="-122"/>
-                <a:ea typeface="微软雅黑" panose="020B0503020204020204" charset="-122"/>
+                <a:latin typeface="微软雅黑" charset="-122"/>
+                <a:ea typeface="微软雅黑" charset="-122"/>
                 <a:sym typeface="+mn-ea"/>
               </a:rPr>
               <a:t>     </a:t>
@@ -7436,8 +7435,8 @@
                 <a:solidFill>
                   <a:schemeClr val="bg1"/>
                 </a:solidFill>
-                <a:latin typeface="微软雅黑" panose="020B0503020204020204" charset="-122"/>
-                <a:ea typeface="微软雅黑" panose="020B0503020204020204" charset="-122"/>
+                <a:latin typeface="微软雅黑" charset="-122"/>
+                <a:ea typeface="微软雅黑" charset="-122"/>
                 <a:sym typeface="+mn-ea"/>
               </a:rPr>
               <a:t>micro:bit t</a:t>
@@ -7447,8 +7446,8 @@
                 <a:solidFill>
                   <a:schemeClr val="bg1"/>
                 </a:solidFill>
-                <a:latin typeface="微软雅黑" panose="020B0503020204020204" charset="-122"/>
-                <a:ea typeface="微软雅黑" panose="020B0503020204020204" charset="-122"/>
+                <a:latin typeface="微软雅黑" charset="-122"/>
+                <a:ea typeface="微软雅黑" charset="-122"/>
                 <a:sym typeface="+mn-ea"/>
               </a:rPr>
               <a:t>utorial</a:t>
@@ -7457,8 +7456,8 @@
               <a:solidFill>
                 <a:schemeClr val="bg1"/>
               </a:solidFill>
-              <a:latin typeface="微软雅黑" panose="020B0503020204020204" charset="-122"/>
-              <a:ea typeface="微软雅黑" panose="020B0503020204020204" charset="-122"/>
+              <a:latin typeface="微软雅黑" charset="-122"/>
+              <a:ea typeface="微软雅黑" charset="-122"/>
               <a:sym typeface="+mn-ea"/>
             </a:endParaRPr>
           </a:p>
@@ -8079,7 +8078,7 @@
                     <a:lumMod val="75000"/>
                   </a:schemeClr>
                 </a:solidFill>
-                <a:ea typeface="宋体" panose="02010600030101010101" pitchFamily="2" charset="-122"/>
+                <a:ea typeface="宋体" pitchFamily="2" charset="-122"/>
                 <a:cs typeface="+mn-lt"/>
                 <a:sym typeface="+mn-ea"/>
               </a:rPr>
@@ -8092,7 +8091,7 @@
                     <a:lumMod val="75000"/>
                   </a:schemeClr>
                 </a:solidFill>
-                <a:ea typeface="宋体" panose="02010600030101010101" pitchFamily="2" charset="-122"/>
+                <a:ea typeface="宋体" pitchFamily="2" charset="-122"/>
                 <a:cs typeface="+mn-lt"/>
                 <a:sym typeface="+mn-ea"/>
               </a:rPr>
@@ -8105,7 +8104,7 @@
                     <a:lumMod val="75000"/>
                   </a:schemeClr>
                 </a:solidFill>
-                <a:ea typeface="宋体" panose="02010600030101010101" pitchFamily="2" charset="-122"/>
+                <a:ea typeface="宋体" pitchFamily="2" charset="-122"/>
                 <a:cs typeface="+mn-lt"/>
                 <a:sym typeface="+mn-ea"/>
               </a:rPr>
@@ -8117,7 +8116,7 @@
                   <a:lumMod val="75000"/>
                 </a:schemeClr>
               </a:solidFill>
-              <a:ea typeface="宋体" panose="02010600030101010101" pitchFamily="2" charset="-122"/>
+              <a:ea typeface="宋体" pitchFamily="2" charset="-122"/>
               <a:cs typeface="+mn-lt"/>
               <a:sym typeface="+mn-ea"/>
             </a:endParaRPr>
@@ -8173,7 +8172,7 @@
                   <a:schemeClr val="accent2"/>
                 </a:solidFill>
                 <a:latin typeface="+mn-lt"/>
-                <a:ea typeface="微软雅黑" panose="020B0503020204020204" charset="-122"/>
+                <a:ea typeface="微软雅黑" charset="-122"/>
                 <a:cs typeface="+mn-lt"/>
               </a:rPr>
               <a:t>micro:bit p</a:t>
@@ -8184,7 +8183,7 @@
                   <a:schemeClr val="accent2"/>
                 </a:solidFill>
                 <a:latin typeface="+mn-lt"/>
-                <a:ea typeface="微软雅黑" panose="020B0503020204020204" charset="-122"/>
+                <a:ea typeface="微软雅黑" charset="-122"/>
                 <a:cs typeface="+mn-lt"/>
               </a:rPr>
               <a:t>rogramming tutorial</a:t>
@@ -8194,7 +8193,7 @@
                 <a:schemeClr val="accent2"/>
               </a:solidFill>
               <a:latin typeface="+mn-lt"/>
-              <a:ea typeface="微软雅黑" panose="020B0503020204020204" charset="-122"/>
+              <a:ea typeface="微软雅黑" charset="-122"/>
               <a:cs typeface="+mn-lt"/>
             </a:endParaRPr>
           </a:p>
@@ -8595,8 +8594,8 @@
                 <a:solidFill>
                   <a:schemeClr val="bg1"/>
                 </a:solidFill>
-                <a:latin typeface="微软雅黑" panose="020B0503020204020204" charset="-122"/>
-                <a:ea typeface="微软雅黑" panose="020B0503020204020204" charset="-122"/>
+                <a:latin typeface="微软雅黑" charset="-122"/>
+                <a:ea typeface="微软雅黑" charset="-122"/>
                 <a:sym typeface="+mn-ea"/>
               </a:rPr>
               <a:t> Yahboom</a:t>
@@ -8606,8 +8605,8 @@
                 <a:solidFill>
                   <a:schemeClr val="bg1"/>
                 </a:solidFill>
-                <a:latin typeface="微软雅黑" panose="020B0503020204020204" charset="-122"/>
-                <a:ea typeface="微软雅黑" panose="020B0503020204020204" charset="-122"/>
+                <a:latin typeface="微软雅黑" charset="-122"/>
+                <a:ea typeface="微软雅黑" charset="-122"/>
                 <a:sym typeface="+mn-ea"/>
               </a:rPr>
               <a:t>     </a:t>
@@ -8617,8 +8616,8 @@
                 <a:solidFill>
                   <a:schemeClr val="bg1"/>
                 </a:solidFill>
-                <a:latin typeface="微软雅黑" panose="020B0503020204020204" charset="-122"/>
-                <a:ea typeface="微软雅黑" panose="020B0503020204020204" charset="-122"/>
+                <a:latin typeface="微软雅黑" charset="-122"/>
+                <a:ea typeface="微软雅黑" charset="-122"/>
                 <a:sym typeface="+mn-ea"/>
               </a:rPr>
               <a:t>micro:bit t</a:t>
@@ -8628,8 +8627,8 @@
                 <a:solidFill>
                   <a:schemeClr val="bg1"/>
                 </a:solidFill>
-                <a:latin typeface="微软雅黑" panose="020B0503020204020204" charset="-122"/>
-                <a:ea typeface="微软雅黑" panose="020B0503020204020204" charset="-122"/>
+                <a:latin typeface="微软雅黑" charset="-122"/>
+                <a:ea typeface="微软雅黑" charset="-122"/>
                 <a:sym typeface="+mn-ea"/>
               </a:rPr>
               <a:t>utorial</a:t>
@@ -8638,8 +8637,8 @@
               <a:solidFill>
                 <a:schemeClr val="bg1"/>
               </a:solidFill>
-              <a:latin typeface="微软雅黑" panose="020B0503020204020204" charset="-122"/>
-              <a:ea typeface="微软雅黑" panose="020B0503020204020204" charset="-122"/>
+              <a:latin typeface="微软雅黑" charset="-122"/>
+              <a:ea typeface="微软雅黑" charset="-122"/>
               <a:sym typeface="+mn-ea"/>
             </a:endParaRPr>
           </a:p>
@@ -9236,7 +9235,7 @@
                     <a:lumMod val="75000"/>
                   </a:schemeClr>
                 </a:solidFill>
-                <a:ea typeface="宋体" panose="02010600030101010101" pitchFamily="2" charset="-122"/>
+                <a:ea typeface="宋体" pitchFamily="2" charset="-122"/>
                 <a:cs typeface="+mn-lt"/>
               </a:rPr>
               <a:t>         </a:t>
@@ -9248,7 +9247,7 @@
                     <a:lumMod val="75000"/>
                   </a:schemeClr>
                 </a:solidFill>
-                <a:ea typeface="宋体" panose="02010600030101010101" pitchFamily="2" charset="-122"/>
+                <a:ea typeface="宋体" pitchFamily="2" charset="-122"/>
                 <a:cs typeface="+mn-lt"/>
               </a:rPr>
               <a:t>Pause for 100 milliseconds, in the program we change the value to </a:t>
@@ -9260,7 +9259,7 @@
                     <a:lumMod val="75000"/>
                   </a:schemeClr>
                 </a:solidFill>
-                <a:ea typeface="宋体" panose="02010600030101010101" pitchFamily="2" charset="-122"/>
+                <a:ea typeface="宋体" pitchFamily="2" charset="-122"/>
                 <a:cs typeface="+mn-lt"/>
               </a:rPr>
               <a:t>10</a:t>
@@ -9272,7 +9271,7 @@
                     <a:lumMod val="75000"/>
                   </a:schemeClr>
                 </a:solidFill>
-                <a:ea typeface="宋体" panose="02010600030101010101" pitchFamily="2" charset="-122"/>
+                <a:ea typeface="宋体" pitchFamily="2" charset="-122"/>
                 <a:cs typeface="+mn-lt"/>
               </a:rPr>
               <a:t>00 milliseconds</a:t>
@@ -9284,7 +9283,7 @@
                     <a:lumMod val="75000"/>
                   </a:schemeClr>
                 </a:solidFill>
-                <a:ea typeface="宋体" panose="02010600030101010101" pitchFamily="2" charset="-122"/>
+                <a:ea typeface="宋体" pitchFamily="2" charset="-122"/>
                 <a:cs typeface="+mn-lt"/>
               </a:rPr>
               <a:t>.</a:t>
@@ -9295,7 +9294,7 @@
                   <a:lumMod val="75000"/>
                 </a:schemeClr>
               </a:solidFill>
-              <a:ea typeface="宋体" panose="02010600030101010101" pitchFamily="2" charset="-122"/>
+              <a:ea typeface="宋体" pitchFamily="2" charset="-122"/>
               <a:cs typeface="+mn-lt"/>
             </a:endParaRPr>
           </a:p>
@@ -9326,7 +9325,7 @@
                   <a:schemeClr val="accent2"/>
                 </a:solidFill>
                 <a:latin typeface="+mn-lt"/>
-                <a:ea typeface="微软雅黑" panose="020B0503020204020204" charset="-122"/>
+                <a:ea typeface="微软雅黑" charset="-122"/>
                 <a:cs typeface="+mn-lt"/>
               </a:rPr>
               <a:t>micro:bit p</a:t>
@@ -9337,7 +9336,7 @@
                   <a:schemeClr val="accent2"/>
                 </a:solidFill>
                 <a:latin typeface="+mn-lt"/>
-                <a:ea typeface="微软雅黑" panose="020B0503020204020204" charset="-122"/>
+                <a:ea typeface="微软雅黑" charset="-122"/>
                 <a:cs typeface="+mn-lt"/>
               </a:rPr>
               <a:t>rogramming tutorial</a:t>
@@ -9347,7 +9346,7 @@
                 <a:schemeClr val="accent2"/>
               </a:solidFill>
               <a:latin typeface="+mn-lt"/>
-              <a:ea typeface="微软雅黑" panose="020B0503020204020204" charset="-122"/>
+              <a:ea typeface="微软雅黑" charset="-122"/>
               <a:cs typeface="+mn-lt"/>
             </a:endParaRPr>
           </a:p>
@@ -9748,8 +9747,8 @@
                 <a:solidFill>
                   <a:schemeClr val="bg1"/>
                 </a:solidFill>
-                <a:latin typeface="微软雅黑" panose="020B0503020204020204" charset="-122"/>
-                <a:ea typeface="微软雅黑" panose="020B0503020204020204" charset="-122"/>
+                <a:latin typeface="微软雅黑" charset="-122"/>
+                <a:ea typeface="微软雅黑" charset="-122"/>
                 <a:sym typeface="+mn-ea"/>
               </a:rPr>
               <a:t> Yahboom</a:t>
@@ -9759,8 +9758,8 @@
                 <a:solidFill>
                   <a:schemeClr val="bg1"/>
                 </a:solidFill>
-                <a:latin typeface="微软雅黑" panose="020B0503020204020204" charset="-122"/>
-                <a:ea typeface="微软雅黑" panose="020B0503020204020204" charset="-122"/>
+                <a:latin typeface="微软雅黑" charset="-122"/>
+                <a:ea typeface="微软雅黑" charset="-122"/>
                 <a:sym typeface="+mn-ea"/>
               </a:rPr>
               <a:t>     </a:t>
@@ -9770,8 +9769,8 @@
                 <a:solidFill>
                   <a:schemeClr val="bg1"/>
                 </a:solidFill>
-                <a:latin typeface="微软雅黑" panose="020B0503020204020204" charset="-122"/>
-                <a:ea typeface="微软雅黑" panose="020B0503020204020204" charset="-122"/>
+                <a:latin typeface="微软雅黑" charset="-122"/>
+                <a:ea typeface="微软雅黑" charset="-122"/>
                 <a:sym typeface="+mn-ea"/>
               </a:rPr>
               <a:t>micro:bit t</a:t>
@@ -9781,8 +9780,8 @@
                 <a:solidFill>
                   <a:schemeClr val="bg1"/>
                 </a:solidFill>
-                <a:latin typeface="微软雅黑" panose="020B0503020204020204" charset="-122"/>
-                <a:ea typeface="微软雅黑" panose="020B0503020204020204" charset="-122"/>
+                <a:latin typeface="微软雅黑" charset="-122"/>
+                <a:ea typeface="微软雅黑" charset="-122"/>
                 <a:sym typeface="+mn-ea"/>
               </a:rPr>
               <a:t>utorial</a:t>
@@ -9791,8 +9790,8 @@
               <a:solidFill>
                 <a:schemeClr val="bg1"/>
               </a:solidFill>
-              <a:latin typeface="微软雅黑" panose="020B0503020204020204" charset="-122"/>
-              <a:ea typeface="微软雅黑" panose="020B0503020204020204" charset="-122"/>
+              <a:latin typeface="微软雅黑" charset="-122"/>
+              <a:ea typeface="微软雅黑" charset="-122"/>
               <a:sym typeface="+mn-ea"/>
             </a:endParaRPr>
           </a:p>
@@ -9831,1147 +9830,6 @@
 </file>
 
 <file path=ppt/slides/slide15.xml><?xml version="1.0" encoding="utf-8"?>
-<p:sld xmlns:a="http://schemas.openxmlformats.org/drawingml/2006/main" xmlns:r="http://schemas.openxmlformats.org/officeDocument/2006/relationships" xmlns:p="http://schemas.openxmlformats.org/presentationml/2006/main">
-  <p:cSld>
-    <p:bg>
-      <p:bgPr>
-        <a:blipFill rotWithShape="1">
-          <a:blip r:embed="rId1">
-            <a:alphaModFix amt="89000"/>
-          </a:blip>
-          <a:stretch>
-            <a:fillRect/>
-          </a:stretch>
-        </a:blipFill>
-        <a:effectLst/>
-      </p:bgPr>
-    </p:bg>
-    <p:spTree>
-      <p:nvGrpSpPr>
-        <p:cNvPr id="1" name=""/>
-        <p:cNvGrpSpPr/>
-        <p:nvPr/>
-      </p:nvGrpSpPr>
-      <p:grpSpPr>
-        <a:xfrm>
-          <a:off x="0" y="0"/>
-          <a:ext cx="0" cy="0"/>
-          <a:chOff x="0" y="0"/>
-          <a:chExt cx="0" cy="0"/>
-        </a:xfrm>
-      </p:grpSpPr>
-      <p:pic>
-        <p:nvPicPr>
-          <p:cNvPr id="11" name="图片 10"/>
-          <p:cNvPicPr>
-            <a:picLocks noChangeAspect="1"/>
-          </p:cNvPicPr>
-          <p:nvPr/>
-        </p:nvPicPr>
-        <p:blipFill>
-          <a:blip r:embed="rId2"/>
-          <a:stretch>
-            <a:fillRect/>
-          </a:stretch>
-        </p:blipFill>
-        <p:spPr>
-          <a:xfrm>
-            <a:off x="1197610" y="1614170"/>
-            <a:ext cx="9551035" cy="3629660"/>
-          </a:xfrm>
-          <a:prstGeom prst="rect">
-            <a:avLst/>
-          </a:prstGeom>
-          <a:ln w="57150">
-            <a:solidFill>
-              <a:srgbClr val="5B9BD5"/>
-            </a:solidFill>
-          </a:ln>
-        </p:spPr>
-      </p:pic>
-      <p:sp>
-        <p:nvSpPr>
-          <p:cNvPr id="12" name="任意多边形 11"/>
-          <p:cNvSpPr/>
-          <p:nvPr/>
-        </p:nvSpPr>
-        <p:spPr>
-          <a:xfrm>
-            <a:off x="567055" y="1280795"/>
-            <a:ext cx="1042035" cy="761365"/>
-          </a:xfrm>
-          <a:custGeom>
-            <a:avLst/>
-            <a:gdLst>
-              <a:gd name="connsiteX0" fmla="*/ 1610751 w 2954216"/>
-              <a:gd name="connsiteY0" fmla="*/ 0 h 1807700"/>
-              <a:gd name="connsiteX1" fmla="*/ 2504050 w 2954216"/>
-              <a:gd name="connsiteY1" fmla="*/ 893299 h 1807700"/>
-              <a:gd name="connsiteX2" fmla="*/ 2504050 w 2954216"/>
-              <a:gd name="connsiteY2" fmla="*/ 893300 h 1807700"/>
-              <a:gd name="connsiteX3" fmla="*/ 2534525 w 2954216"/>
-              <a:gd name="connsiteY3" fmla="*/ 893300 h 1807700"/>
-              <a:gd name="connsiteX4" fmla="*/ 2954216 w 2954216"/>
-              <a:gd name="connsiteY4" fmla="*/ 1312991 h 1807700"/>
-              <a:gd name="connsiteX5" fmla="*/ 2954216 w 2954216"/>
-              <a:gd name="connsiteY5" fmla="*/ 1388009 h 1807700"/>
-              <a:gd name="connsiteX6" fmla="*/ 2534525 w 2954216"/>
-              <a:gd name="connsiteY6" fmla="*/ 1807700 h 1807700"/>
-              <a:gd name="connsiteX7" fmla="*/ 419691 w 2954216"/>
-              <a:gd name="connsiteY7" fmla="*/ 1807700 h 1807700"/>
-              <a:gd name="connsiteX8" fmla="*/ 0 w 2954216"/>
-              <a:gd name="connsiteY8" fmla="*/ 1388009 h 1807700"/>
-              <a:gd name="connsiteX9" fmla="*/ 0 w 2954216"/>
-              <a:gd name="connsiteY9" fmla="*/ 1312991 h 1807700"/>
-              <a:gd name="connsiteX10" fmla="*/ 335109 w 2954216"/>
-              <a:gd name="connsiteY10" fmla="*/ 901827 h 1807700"/>
-              <a:gd name="connsiteX11" fmla="*/ 339261 w 2954216"/>
-              <a:gd name="connsiteY11" fmla="*/ 901408 h 1807700"/>
-              <a:gd name="connsiteX12" fmla="*/ 337624 w 2954216"/>
-              <a:gd name="connsiteY12" fmla="*/ 893300 h 1807700"/>
-              <a:gd name="connsiteX13" fmla="*/ 604911 w 2954216"/>
-              <a:gd name="connsiteY13" fmla="*/ 626013 h 1807700"/>
-              <a:gd name="connsiteX14" fmla="*/ 708952 w 2954216"/>
-              <a:gd name="connsiteY14" fmla="*/ 647018 h 1807700"/>
-              <a:gd name="connsiteX15" fmla="*/ 749358 w 2954216"/>
-              <a:gd name="connsiteY15" fmla="*/ 668950 h 1807700"/>
-              <a:gd name="connsiteX16" fmla="*/ 787652 w 2954216"/>
-              <a:gd name="connsiteY16" fmla="*/ 545587 h 1807700"/>
-              <a:gd name="connsiteX17" fmla="*/ 1610751 w 2954216"/>
-              <a:gd name="connsiteY17" fmla="*/ 0 h 1807700"/>
-            </a:gdLst>
-            <a:ahLst/>
-            <a:cxnLst>
-              <a:cxn ang="0">
-                <a:pos x="connsiteX0" y="connsiteY0"/>
-              </a:cxn>
-              <a:cxn ang="0">
-                <a:pos x="connsiteX1" y="connsiteY1"/>
-              </a:cxn>
-              <a:cxn ang="0">
-                <a:pos x="connsiteX2" y="connsiteY2"/>
-              </a:cxn>
-              <a:cxn ang="0">
-                <a:pos x="connsiteX3" y="connsiteY3"/>
-              </a:cxn>
-              <a:cxn ang="0">
-                <a:pos x="connsiteX4" y="connsiteY4"/>
-              </a:cxn>
-              <a:cxn ang="0">
-                <a:pos x="connsiteX5" y="connsiteY5"/>
-              </a:cxn>
-              <a:cxn ang="0">
-                <a:pos x="connsiteX6" y="connsiteY6"/>
-              </a:cxn>
-              <a:cxn ang="0">
-                <a:pos x="connsiteX7" y="connsiteY7"/>
-              </a:cxn>
-              <a:cxn ang="0">
-                <a:pos x="connsiteX8" y="connsiteY8"/>
-              </a:cxn>
-              <a:cxn ang="0">
-                <a:pos x="connsiteX9" y="connsiteY9"/>
-              </a:cxn>
-              <a:cxn ang="0">
-                <a:pos x="connsiteX10" y="connsiteY10"/>
-              </a:cxn>
-              <a:cxn ang="0">
-                <a:pos x="connsiteX11" y="connsiteY11"/>
-              </a:cxn>
-              <a:cxn ang="0">
-                <a:pos x="connsiteX12" y="connsiteY12"/>
-              </a:cxn>
-              <a:cxn ang="0">
-                <a:pos x="connsiteX13" y="connsiteY13"/>
-              </a:cxn>
-              <a:cxn ang="0">
-                <a:pos x="connsiteX14" y="connsiteY14"/>
-              </a:cxn>
-              <a:cxn ang="0">
-                <a:pos x="connsiteX15" y="connsiteY15"/>
-              </a:cxn>
-              <a:cxn ang="0">
-                <a:pos x="connsiteX16" y="connsiteY16"/>
-              </a:cxn>
-              <a:cxn ang="0">
-                <a:pos x="connsiteX17" y="connsiteY17"/>
-              </a:cxn>
-            </a:cxnLst>
-            <a:rect l="l" t="t" r="r" b="b"/>
-            <a:pathLst>
-              <a:path w="2954216" h="1807700">
-                <a:moveTo>
-                  <a:pt x="1610751" y="0"/>
-                </a:moveTo>
-                <a:cubicBezTo>
-                  <a:pt x="2104106" y="0"/>
-                  <a:pt x="2504050" y="399944"/>
-                  <a:pt x="2504050" y="893299"/>
-                </a:cubicBezTo>
-                <a:lnTo>
-                  <a:pt x="2504050" y="893300"/>
-                </a:lnTo>
-                <a:lnTo>
-                  <a:pt x="2534525" y="893300"/>
-                </a:lnTo>
-                <a:cubicBezTo>
-                  <a:pt x="2766314" y="893300"/>
-                  <a:pt x="2954216" y="1081202"/>
-                  <a:pt x="2954216" y="1312991"/>
-                </a:cubicBezTo>
-                <a:lnTo>
-                  <a:pt x="2954216" y="1388009"/>
-                </a:lnTo>
-                <a:cubicBezTo>
-                  <a:pt x="2954216" y="1619798"/>
-                  <a:pt x="2766314" y="1807700"/>
-                  <a:pt x="2534525" y="1807700"/>
-                </a:cubicBezTo>
-                <a:lnTo>
-                  <a:pt x="419691" y="1807700"/>
-                </a:lnTo>
-                <a:cubicBezTo>
-                  <a:pt x="187902" y="1807700"/>
-                  <a:pt x="0" y="1619798"/>
-                  <a:pt x="0" y="1388009"/>
-                </a:cubicBezTo>
-                <a:lnTo>
-                  <a:pt x="0" y="1312991"/>
-                </a:lnTo>
-                <a:cubicBezTo>
-                  <a:pt x="0" y="1110176"/>
-                  <a:pt x="143863" y="940961"/>
-                  <a:pt x="335109" y="901827"/>
-                </a:cubicBezTo>
-                <a:lnTo>
-                  <a:pt x="339261" y="901408"/>
-                </a:lnTo>
-                <a:lnTo>
-                  <a:pt x="337624" y="893300"/>
-                </a:lnTo>
-                <a:cubicBezTo>
-                  <a:pt x="337624" y="745681"/>
-                  <a:pt x="457292" y="626013"/>
-                  <a:pt x="604911" y="626013"/>
-                </a:cubicBezTo>
-                <a:cubicBezTo>
-                  <a:pt x="641816" y="626013"/>
-                  <a:pt x="676974" y="633492"/>
-                  <a:pt x="708952" y="647018"/>
-                </a:cubicBezTo>
-                <a:lnTo>
-                  <a:pt x="749358" y="668950"/>
-                </a:lnTo>
-                <a:lnTo>
-                  <a:pt x="787652" y="545587"/>
-                </a:lnTo>
-                <a:cubicBezTo>
-                  <a:pt x="923262" y="224968"/>
-                  <a:pt x="1240735" y="0"/>
-                  <a:pt x="1610751" y="0"/>
-                </a:cubicBezTo>
-                <a:close/>
-              </a:path>
-            </a:pathLst>
-          </a:custGeom>
-          <a:solidFill>
-            <a:schemeClr val="bg1"/>
-          </a:solidFill>
-          <a:ln>
-            <a:noFill/>
-          </a:ln>
-          <a:effectLst>
-            <a:outerShdw blurRad="50800" dist="38100" dir="2700000" algn="tl" rotWithShape="0">
-              <a:prstClr val="black">
-                <a:alpha val="40000"/>
-              </a:prstClr>
-            </a:outerShdw>
-          </a:effectLst>
-        </p:spPr>
-        <p:style>
-          <a:lnRef idx="2">
-            <a:schemeClr val="accent1">
-              <a:shade val="50000"/>
-            </a:schemeClr>
-          </a:lnRef>
-          <a:fillRef idx="1">
-            <a:schemeClr val="accent1"/>
-          </a:fillRef>
-          <a:effectRef idx="0">
-            <a:schemeClr val="accent1"/>
-          </a:effectRef>
-          <a:fontRef idx="minor">
-            <a:schemeClr val="lt1"/>
-          </a:fontRef>
-        </p:style>
-        <p:txBody>
-          <a:bodyPr rtlCol="0" anchor="ctr"/>
-          <a:p>
-            <a:pPr algn="ctr"/>
-            <a:endParaRPr lang="zh-CN" altLang="en-US"/>
-          </a:p>
-        </p:txBody>
-      </p:sp>
-      <p:grpSp>
-        <p:nvGrpSpPr>
-          <p:cNvPr id="13" name="组合 12"/>
-          <p:cNvGrpSpPr/>
-          <p:nvPr/>
-        </p:nvGrpSpPr>
-        <p:grpSpPr>
-          <a:xfrm>
-            <a:off x="317514" y="5177568"/>
-            <a:ext cx="724486" cy="458769"/>
-            <a:chOff x="560275" y="3433438"/>
-            <a:chExt cx="1198188" cy="758734"/>
-          </a:xfrm>
-        </p:grpSpPr>
-        <p:sp>
-          <p:nvSpPr>
-            <p:cNvPr id="15" name="直角三角形 32"/>
-            <p:cNvSpPr/>
-            <p:nvPr/>
-          </p:nvSpPr>
-          <p:spPr>
-            <a:xfrm rot="16200000">
-              <a:off x="1011658" y="3444456"/>
-              <a:ext cx="295422" cy="1198188"/>
-            </a:xfrm>
-            <a:custGeom>
-              <a:avLst/>
-              <a:gdLst>
-                <a:gd name="connsiteX0" fmla="*/ 0 w 379828"/>
-                <a:gd name="connsiteY0" fmla="*/ 1378634 h 1378634"/>
-                <a:gd name="connsiteX1" fmla="*/ 0 w 379828"/>
-                <a:gd name="connsiteY1" fmla="*/ 0 h 1378634"/>
-                <a:gd name="connsiteX2" fmla="*/ 379828 w 379828"/>
-                <a:gd name="connsiteY2" fmla="*/ 1378634 h 1378634"/>
-                <a:gd name="connsiteX3" fmla="*/ 0 w 379828"/>
-                <a:gd name="connsiteY3" fmla="*/ 1378634 h 1378634"/>
-                <a:gd name="connsiteX0-1" fmla="*/ 0 w 379828"/>
-                <a:gd name="connsiteY0-2" fmla="*/ 1378634 h 1772529"/>
-                <a:gd name="connsiteX1-3" fmla="*/ 0 w 379828"/>
-                <a:gd name="connsiteY1-4" fmla="*/ 0 h 1772529"/>
-                <a:gd name="connsiteX2-5" fmla="*/ 379828 w 379828"/>
-                <a:gd name="connsiteY2-6" fmla="*/ 1772529 h 1772529"/>
-                <a:gd name="connsiteX3-7" fmla="*/ 0 w 379828"/>
-                <a:gd name="connsiteY3-8" fmla="*/ 1378634 h 1772529"/>
-                <a:gd name="connsiteX0-9" fmla="*/ 0 w 295422"/>
-                <a:gd name="connsiteY0-10" fmla="*/ 1378634 h 1631855"/>
-                <a:gd name="connsiteX1-11" fmla="*/ 0 w 295422"/>
-                <a:gd name="connsiteY1-12" fmla="*/ 0 h 1631855"/>
-                <a:gd name="connsiteX2-13" fmla="*/ 295422 w 295422"/>
-                <a:gd name="connsiteY2-14" fmla="*/ 1631855 h 1631855"/>
-                <a:gd name="connsiteX3-15" fmla="*/ 0 w 295422"/>
-                <a:gd name="connsiteY3-16" fmla="*/ 1378634 h 1631855"/>
-              </a:gdLst>
-              <a:ahLst/>
-              <a:cxnLst>
-                <a:cxn ang="0">
-                  <a:pos x="connsiteX0-1" y="connsiteY0-2"/>
-                </a:cxn>
-                <a:cxn ang="0">
-                  <a:pos x="connsiteX1-3" y="connsiteY1-4"/>
-                </a:cxn>
-                <a:cxn ang="0">
-                  <a:pos x="connsiteX2-5" y="connsiteY2-6"/>
-                </a:cxn>
-                <a:cxn ang="0">
-                  <a:pos x="connsiteX3-7" y="connsiteY3-8"/>
-                </a:cxn>
-              </a:cxnLst>
-              <a:rect l="l" t="t" r="r" b="b"/>
-              <a:pathLst>
-                <a:path w="295422" h="1631855">
-                  <a:moveTo>
-                    <a:pt x="0" y="1378634"/>
-                  </a:moveTo>
-                  <a:lnTo>
-                    <a:pt x="0" y="0"/>
-                  </a:lnTo>
-                  <a:lnTo>
-                    <a:pt x="295422" y="1631855"/>
-                  </a:lnTo>
-                  <a:lnTo>
-                    <a:pt x="0" y="1378634"/>
-                  </a:lnTo>
-                  <a:close/>
-                </a:path>
-              </a:pathLst>
-            </a:custGeom>
-            <a:solidFill>
-              <a:schemeClr val="bg1">
-                <a:lumMod val="95000"/>
-              </a:schemeClr>
-            </a:solidFill>
-            <a:ln>
-              <a:noFill/>
-            </a:ln>
-            <a:effectLst>
-              <a:outerShdw blurRad="50800" dist="38100" dir="2700000" algn="tl" rotWithShape="0">
-                <a:prstClr val="black">
-                  <a:alpha val="40000"/>
-                </a:prstClr>
-              </a:outerShdw>
-            </a:effectLst>
-          </p:spPr>
-          <p:style>
-            <a:lnRef idx="2">
-              <a:schemeClr val="accent1">
-                <a:shade val="50000"/>
-              </a:schemeClr>
-            </a:lnRef>
-            <a:fillRef idx="1">
-              <a:schemeClr val="accent1"/>
-            </a:fillRef>
-            <a:effectRef idx="0">
-              <a:schemeClr val="accent1"/>
-            </a:effectRef>
-            <a:fontRef idx="minor">
-              <a:schemeClr val="lt1"/>
-            </a:fontRef>
-          </p:style>
-          <p:txBody>
-            <a:bodyPr rtlCol="0" anchor="ctr"/>
-            <a:p>
-              <a:pPr algn="ctr"/>
-              <a:endParaRPr lang="zh-CN" altLang="en-US"/>
-            </a:p>
-          </p:txBody>
-        </p:sp>
-        <p:sp>
-          <p:nvSpPr>
-            <p:cNvPr id="16" name="直角三角形 20"/>
-            <p:cNvSpPr/>
-            <p:nvPr/>
-          </p:nvSpPr>
-          <p:spPr>
-            <a:xfrm>
-              <a:off x="890708" y="3433438"/>
-              <a:ext cx="675249" cy="758734"/>
-            </a:xfrm>
-            <a:custGeom>
-              <a:avLst/>
-              <a:gdLst>
-                <a:gd name="connsiteX0" fmla="*/ 0 w 379828"/>
-                <a:gd name="connsiteY0" fmla="*/ 1378634 h 1378634"/>
-                <a:gd name="connsiteX1" fmla="*/ 0 w 379828"/>
-                <a:gd name="connsiteY1" fmla="*/ 0 h 1378634"/>
-                <a:gd name="connsiteX2" fmla="*/ 379828 w 379828"/>
-                <a:gd name="connsiteY2" fmla="*/ 1378634 h 1378634"/>
-                <a:gd name="connsiteX3" fmla="*/ 0 w 379828"/>
-                <a:gd name="connsiteY3" fmla="*/ 1378634 h 1378634"/>
-                <a:gd name="connsiteX0-1" fmla="*/ 295421 w 675249"/>
-                <a:gd name="connsiteY0-2" fmla="*/ 1209822 h 1209822"/>
-                <a:gd name="connsiteX1-3" fmla="*/ 0 w 675249"/>
-                <a:gd name="connsiteY1-4" fmla="*/ 0 h 1209822"/>
-                <a:gd name="connsiteX2-5" fmla="*/ 675249 w 675249"/>
-                <a:gd name="connsiteY2-6" fmla="*/ 1209822 h 1209822"/>
-                <a:gd name="connsiteX3-7" fmla="*/ 295421 w 675249"/>
-                <a:gd name="connsiteY3-8" fmla="*/ 1209822 h 1209822"/>
-              </a:gdLst>
-              <a:ahLst/>
-              <a:cxnLst>
-                <a:cxn ang="0">
-                  <a:pos x="connsiteX0-1" y="connsiteY0-2"/>
-                </a:cxn>
-                <a:cxn ang="0">
-                  <a:pos x="connsiteX1-3" y="connsiteY1-4"/>
-                </a:cxn>
-                <a:cxn ang="0">
-                  <a:pos x="connsiteX2-5" y="connsiteY2-6"/>
-                </a:cxn>
-                <a:cxn ang="0">
-                  <a:pos x="connsiteX3-7" y="connsiteY3-8"/>
-                </a:cxn>
-              </a:cxnLst>
-              <a:rect l="l" t="t" r="r" b="b"/>
-              <a:pathLst>
-                <a:path w="675249" h="1209822">
-                  <a:moveTo>
-                    <a:pt x="295421" y="1209822"/>
-                  </a:moveTo>
-                  <a:lnTo>
-                    <a:pt x="0" y="0"/>
-                  </a:lnTo>
-                  <a:lnTo>
-                    <a:pt x="675249" y="1209822"/>
-                  </a:lnTo>
-                  <a:lnTo>
-                    <a:pt x="295421" y="1209822"/>
-                  </a:lnTo>
-                  <a:close/>
-                </a:path>
-              </a:pathLst>
-            </a:custGeom>
-            <a:solidFill>
-              <a:schemeClr val="tx1">
-                <a:lumMod val="75000"/>
-                <a:lumOff val="25000"/>
-              </a:schemeClr>
-            </a:solidFill>
-            <a:ln>
-              <a:noFill/>
-            </a:ln>
-          </p:spPr>
-          <p:style>
-            <a:lnRef idx="2">
-              <a:schemeClr val="accent1">
-                <a:shade val="50000"/>
-              </a:schemeClr>
-            </a:lnRef>
-            <a:fillRef idx="1">
-              <a:schemeClr val="accent1"/>
-            </a:fillRef>
-            <a:effectRef idx="0">
-              <a:schemeClr val="accent1"/>
-            </a:effectRef>
-            <a:fontRef idx="minor">
-              <a:schemeClr val="lt1"/>
-            </a:fontRef>
-          </p:style>
-          <p:txBody>
-            <a:bodyPr rtlCol="0" anchor="ctr"/>
-            <a:p>
-              <a:pPr algn="ctr"/>
-              <a:endParaRPr lang="zh-CN" altLang="en-US"/>
-            </a:p>
-          </p:txBody>
-        </p:sp>
-      </p:grpSp>
-      <p:sp>
-        <p:nvSpPr>
-          <p:cNvPr id="17" name="文本框 16"/>
-          <p:cNvSpPr txBox="1"/>
-          <p:nvPr/>
-        </p:nvSpPr>
-        <p:spPr>
-          <a:xfrm flipH="1">
-            <a:off x="567055" y="1520190"/>
-            <a:ext cx="1158875" cy="521970"/>
-          </a:xfrm>
-          <a:prstGeom prst="rect">
-            <a:avLst/>
-          </a:prstGeom>
-          <a:noFill/>
-        </p:spPr>
-        <p:txBody>
-          <a:bodyPr wrap="square" rtlCol="0">
-            <a:spAutoFit/>
-          </a:bodyPr>
-          <a:p>
-            <a:r>
-              <a:rPr lang="en-US" altLang="zh-CN" sz="2800" dirty="0" smtClean="0">
-                <a:solidFill>
-                  <a:schemeClr val="accent5">
-                    <a:lumMod val="75000"/>
-                  </a:schemeClr>
-                </a:solidFill>
-                <a:latin typeface="方正少儿_GBK" panose="02000000000000000000" charset="-122"/>
-                <a:ea typeface="方正少儿_GBK" panose="02000000000000000000" charset="-122"/>
-              </a:rPr>
-              <a:t>Part3</a:t>
-            </a:r>
-            <a:endParaRPr lang="en-US" altLang="zh-CN" sz="2800" dirty="0" smtClean="0">
-              <a:solidFill>
-                <a:schemeClr val="accent5">
-                  <a:lumMod val="75000"/>
-                </a:schemeClr>
-              </a:solidFill>
-              <a:latin typeface="方正少儿_GBK" panose="02000000000000000000" charset="-122"/>
-              <a:ea typeface="方正少儿_GBK" panose="02000000000000000000" charset="-122"/>
-            </a:endParaRPr>
-          </a:p>
-        </p:txBody>
-      </p:sp>
-      <p:sp>
-        <p:nvSpPr>
-          <p:cNvPr id="18" name="文本框 17"/>
-          <p:cNvSpPr txBox="1"/>
-          <p:nvPr/>
-        </p:nvSpPr>
-        <p:spPr>
-          <a:xfrm>
-            <a:off x="5650230" y="2378075"/>
-            <a:ext cx="4848225" cy="1568450"/>
-          </a:xfrm>
-          <a:prstGeom prst="rect">
-            <a:avLst/>
-          </a:prstGeom>
-          <a:noFill/>
-        </p:spPr>
-        <p:txBody>
-          <a:bodyPr wrap="square" rtlCol="0">
-            <a:spAutoFit/>
-          </a:bodyPr>
-          <a:p>
-            <a:pPr algn="l"/>
-            <a:r>
-              <a:rPr lang="en-US" altLang="zh-CN" sz="2400" dirty="0">
-                <a:solidFill>
-                  <a:schemeClr val="accent5">
-                    <a:lumMod val="75000"/>
-                  </a:schemeClr>
-                </a:solidFill>
-                <a:ea typeface="宋体" panose="02010600030101010101" pitchFamily="2" charset="-122"/>
-                <a:cs typeface="+mn-lt"/>
-              </a:rPr>
-              <a:t>        Draws an image on LED screen. </a:t>
-            </a:r>
-            <a:r>
-              <a:rPr sz="2400" dirty="0">
-                <a:solidFill>
-                  <a:schemeClr val="accent5">
-                    <a:lumMod val="75000"/>
-                  </a:schemeClr>
-                </a:solidFill>
-                <a:ea typeface="宋体" panose="02010600030101010101" pitchFamily="2" charset="-122"/>
-                <a:cs typeface="+mn-lt"/>
-              </a:rPr>
-              <a:t>Click on the small square above, the small square will turn red, and finally it will show up on the screen.</a:t>
-            </a:r>
-            <a:endParaRPr lang="zh-CN" sz="2400" dirty="0">
-              <a:solidFill>
-                <a:schemeClr val="accent5">
-                  <a:lumMod val="75000"/>
-                </a:schemeClr>
-              </a:solidFill>
-              <a:ea typeface="宋体" panose="02010600030101010101" pitchFamily="2" charset="-122"/>
-              <a:cs typeface="+mn-lt"/>
-            </a:endParaRPr>
-          </a:p>
-        </p:txBody>
-      </p:sp>
-      <p:pic>
-        <p:nvPicPr>
-          <p:cNvPr id="19" name="图片 18"/>
-          <p:cNvPicPr>
-            <a:picLocks noChangeAspect="1"/>
-          </p:cNvPicPr>
-          <p:nvPr/>
-        </p:nvPicPr>
-        <p:blipFill>
-          <a:blip r:embed="rId3"/>
-          <a:stretch>
-            <a:fillRect/>
-          </a:stretch>
-        </p:blipFill>
-        <p:spPr>
-          <a:xfrm>
-            <a:off x="1540510" y="1614170"/>
-            <a:ext cx="3860165" cy="3629660"/>
-          </a:xfrm>
-          <a:prstGeom prst="rect">
-            <a:avLst/>
-          </a:prstGeom>
-        </p:spPr>
-      </p:pic>
-      <p:sp>
-        <p:nvSpPr>
-          <p:cNvPr id="20" name="标题 19"/>
-          <p:cNvSpPr>
-            <a:spLocks noGrp="1"/>
-          </p:cNvSpPr>
-          <p:nvPr>
-            <p:ph type="ctrTitle"/>
-          </p:nvPr>
-        </p:nvSpPr>
-        <p:spPr>
-          <a:xfrm>
-            <a:off x="2696845" y="522605"/>
-            <a:ext cx="9144000" cy="910590"/>
-          </a:xfrm>
-        </p:spPr>
-        <p:txBody>
-          <a:bodyPr/>
-          <a:p>
-            <a:r>
-              <a:rPr lang="en-US" altLang="zh-CN" sz="3600">
-                <a:solidFill>
-                  <a:schemeClr val="accent2"/>
-                </a:solidFill>
-                <a:latin typeface="+mn-lt"/>
-                <a:ea typeface="微软雅黑" panose="020B0503020204020204" charset="-122"/>
-                <a:cs typeface="+mn-lt"/>
-              </a:rPr>
-              <a:t>micro:bit p</a:t>
-            </a:r>
-            <a:r>
-              <a:rPr lang="zh-CN" altLang="en-US" sz="3600">
-                <a:solidFill>
-                  <a:schemeClr val="accent2"/>
-                </a:solidFill>
-                <a:latin typeface="+mn-lt"/>
-                <a:ea typeface="微软雅黑" panose="020B0503020204020204" charset="-122"/>
-                <a:cs typeface="+mn-lt"/>
-              </a:rPr>
-              <a:t>rogramming tutorial</a:t>
-            </a:r>
-            <a:endParaRPr lang="zh-CN" altLang="en-US" sz="3600">
-              <a:solidFill>
-                <a:schemeClr val="accent2"/>
-              </a:solidFill>
-              <a:latin typeface="+mn-lt"/>
-              <a:ea typeface="微软雅黑" panose="020B0503020204020204" charset="-122"/>
-              <a:cs typeface="+mn-lt"/>
-            </a:endParaRPr>
-          </a:p>
-        </p:txBody>
-      </p:sp>
-      <p:sp>
-        <p:nvSpPr>
-          <p:cNvPr id="21" name="任意多边形 20"/>
-          <p:cNvSpPr/>
-          <p:nvPr/>
-        </p:nvSpPr>
-        <p:spPr>
-          <a:xfrm>
-            <a:off x="408940" y="5568315"/>
-            <a:ext cx="11335385" cy="897255"/>
-          </a:xfrm>
-          <a:custGeom>
-            <a:avLst/>
-            <a:gdLst>
-              <a:gd name="connsiteX0" fmla="*/ 10993060 w 12192000"/>
-              <a:gd name="connsiteY0" fmla="*/ 0 h 1337515"/>
-              <a:gd name="connsiteX1" fmla="*/ 12119884 w 12192000"/>
-              <a:gd name="connsiteY1" fmla="*/ 344197 h 1337515"/>
-              <a:gd name="connsiteX2" fmla="*/ 12192000 w 12192000"/>
-              <a:gd name="connsiteY2" fmla="*/ 396792 h 1337515"/>
-              <a:gd name="connsiteX3" fmla="*/ 12192000 w 12192000"/>
-              <a:gd name="connsiteY3" fmla="*/ 1337515 h 1337515"/>
-              <a:gd name="connsiteX4" fmla="*/ 6775368 w 12192000"/>
-              <a:gd name="connsiteY4" fmla="*/ 1337515 h 1337515"/>
-              <a:gd name="connsiteX5" fmla="*/ 6783200 w 12192000"/>
-              <a:gd name="connsiteY5" fmla="*/ 1333742 h 1337515"/>
-              <a:gd name="connsiteX6" fmla="*/ 7210941 w 12192000"/>
-              <a:gd name="connsiteY6" fmla="*/ 1247385 h 1337515"/>
-              <a:gd name="connsiteX7" fmla="*/ 7537720 w 12192000"/>
-              <a:gd name="connsiteY7" fmla="*/ 1296790 h 1337515"/>
-              <a:gd name="connsiteX8" fmla="*/ 7626370 w 12192000"/>
-              <a:gd name="connsiteY8" fmla="*/ 1329236 h 1337515"/>
-              <a:gd name="connsiteX9" fmla="*/ 7687424 w 12192000"/>
-              <a:gd name="connsiteY9" fmla="*/ 1273746 h 1337515"/>
-              <a:gd name="connsiteX10" fmla="*/ 8386426 w 12192000"/>
-              <a:gd name="connsiteY10" fmla="*/ 1022811 h 1337515"/>
-              <a:gd name="connsiteX11" fmla="*/ 8814167 w 12192000"/>
-              <a:gd name="connsiteY11" fmla="*/ 1109168 h 1337515"/>
-              <a:gd name="connsiteX12" fmla="*/ 8830204 w 12192000"/>
-              <a:gd name="connsiteY12" fmla="*/ 1116894 h 1337515"/>
-              <a:gd name="connsiteX13" fmla="*/ 8845482 w 12192000"/>
-              <a:gd name="connsiteY13" fmla="*/ 1067677 h 1337515"/>
-              <a:gd name="connsiteX14" fmla="*/ 9251972 w 12192000"/>
-              <a:gd name="connsiteY14" fmla="*/ 798237 h 1337515"/>
-              <a:gd name="connsiteX15" fmla="*/ 9340881 w 12192000"/>
-              <a:gd name="connsiteY15" fmla="*/ 807200 h 1337515"/>
-              <a:gd name="connsiteX16" fmla="*/ 9374830 w 12192000"/>
-              <a:gd name="connsiteY16" fmla="*/ 817739 h 1337515"/>
-              <a:gd name="connsiteX17" fmla="*/ 9437886 w 12192000"/>
-              <a:gd name="connsiteY17" fmla="*/ 733416 h 1337515"/>
-              <a:gd name="connsiteX18" fmla="*/ 10993060 w 12192000"/>
-              <a:gd name="connsiteY18" fmla="*/ 0 h 1337515"/>
-              <a:gd name="connsiteX19" fmla="*/ 1198940 w 12192000"/>
-              <a:gd name="connsiteY19" fmla="*/ 0 h 1337515"/>
-              <a:gd name="connsiteX20" fmla="*/ 2754114 w 12192000"/>
-              <a:gd name="connsiteY20" fmla="*/ 733416 h 1337515"/>
-              <a:gd name="connsiteX21" fmla="*/ 2817170 w 12192000"/>
-              <a:gd name="connsiteY21" fmla="*/ 817739 h 1337515"/>
-              <a:gd name="connsiteX22" fmla="*/ 2851119 w 12192000"/>
-              <a:gd name="connsiteY22" fmla="*/ 807200 h 1337515"/>
-              <a:gd name="connsiteX23" fmla="*/ 2940028 w 12192000"/>
-              <a:gd name="connsiteY23" fmla="*/ 798237 h 1337515"/>
-              <a:gd name="connsiteX24" fmla="*/ 3346518 w 12192000"/>
-              <a:gd name="connsiteY24" fmla="*/ 1067677 h 1337515"/>
-              <a:gd name="connsiteX25" fmla="*/ 3361796 w 12192000"/>
-              <a:gd name="connsiteY25" fmla="*/ 1116894 h 1337515"/>
-              <a:gd name="connsiteX26" fmla="*/ 3377833 w 12192000"/>
-              <a:gd name="connsiteY26" fmla="*/ 1109168 h 1337515"/>
-              <a:gd name="connsiteX27" fmla="*/ 3805574 w 12192000"/>
-              <a:gd name="connsiteY27" fmla="*/ 1022811 h 1337515"/>
-              <a:gd name="connsiteX28" fmla="*/ 4504578 w 12192000"/>
-              <a:gd name="connsiteY28" fmla="*/ 1273746 h 1337515"/>
-              <a:gd name="connsiteX29" fmla="*/ 4565630 w 12192000"/>
-              <a:gd name="connsiteY29" fmla="*/ 1329236 h 1337515"/>
-              <a:gd name="connsiteX30" fmla="*/ 4654282 w 12192000"/>
-              <a:gd name="connsiteY30" fmla="*/ 1296790 h 1337515"/>
-              <a:gd name="connsiteX31" fmla="*/ 4981061 w 12192000"/>
-              <a:gd name="connsiteY31" fmla="*/ 1247385 h 1337515"/>
-              <a:gd name="connsiteX32" fmla="*/ 5408801 w 12192000"/>
-              <a:gd name="connsiteY32" fmla="*/ 1333742 h 1337515"/>
-              <a:gd name="connsiteX33" fmla="*/ 5416634 w 12192000"/>
-              <a:gd name="connsiteY33" fmla="*/ 1337515 h 1337515"/>
-              <a:gd name="connsiteX34" fmla="*/ 0 w 12192000"/>
-              <a:gd name="connsiteY34" fmla="*/ 1337515 h 1337515"/>
-              <a:gd name="connsiteX35" fmla="*/ 0 w 12192000"/>
-              <a:gd name="connsiteY35" fmla="*/ 396792 h 1337515"/>
-              <a:gd name="connsiteX36" fmla="*/ 72117 w 12192000"/>
-              <a:gd name="connsiteY36" fmla="*/ 344197 h 1337515"/>
-              <a:gd name="connsiteX37" fmla="*/ 1198940 w 12192000"/>
-              <a:gd name="connsiteY37" fmla="*/ 0 h 1337515"/>
-            </a:gdLst>
-            <a:ahLst/>
-            <a:cxnLst>
-              <a:cxn ang="0">
-                <a:pos x="connsiteX0" y="connsiteY0"/>
-              </a:cxn>
-              <a:cxn ang="0">
-                <a:pos x="connsiteX1" y="connsiteY1"/>
-              </a:cxn>
-              <a:cxn ang="0">
-                <a:pos x="connsiteX2" y="connsiteY2"/>
-              </a:cxn>
-              <a:cxn ang="0">
-                <a:pos x="connsiteX3" y="connsiteY3"/>
-              </a:cxn>
-              <a:cxn ang="0">
-                <a:pos x="connsiteX4" y="connsiteY4"/>
-              </a:cxn>
-              <a:cxn ang="0">
-                <a:pos x="connsiteX5" y="connsiteY5"/>
-              </a:cxn>
-              <a:cxn ang="0">
-                <a:pos x="connsiteX6" y="connsiteY6"/>
-              </a:cxn>
-              <a:cxn ang="0">
-                <a:pos x="connsiteX7" y="connsiteY7"/>
-              </a:cxn>
-              <a:cxn ang="0">
-                <a:pos x="connsiteX8" y="connsiteY8"/>
-              </a:cxn>
-              <a:cxn ang="0">
-                <a:pos x="connsiteX9" y="connsiteY9"/>
-              </a:cxn>
-              <a:cxn ang="0">
-                <a:pos x="connsiteX10" y="connsiteY10"/>
-              </a:cxn>
-              <a:cxn ang="0">
-                <a:pos x="connsiteX11" y="connsiteY11"/>
-              </a:cxn>
-              <a:cxn ang="0">
-                <a:pos x="connsiteX12" y="connsiteY12"/>
-              </a:cxn>
-              <a:cxn ang="0">
-                <a:pos x="connsiteX13" y="connsiteY13"/>
-              </a:cxn>
-              <a:cxn ang="0">
-                <a:pos x="connsiteX14" y="connsiteY14"/>
-              </a:cxn>
-              <a:cxn ang="0">
-                <a:pos x="connsiteX15" y="connsiteY15"/>
-              </a:cxn>
-              <a:cxn ang="0">
-                <a:pos x="connsiteX16" y="connsiteY16"/>
-              </a:cxn>
-              <a:cxn ang="0">
-                <a:pos x="connsiteX17" y="connsiteY17"/>
-              </a:cxn>
-              <a:cxn ang="0">
-                <a:pos x="connsiteX18" y="connsiteY18"/>
-              </a:cxn>
-              <a:cxn ang="0">
-                <a:pos x="connsiteX19" y="connsiteY19"/>
-              </a:cxn>
-              <a:cxn ang="0">
-                <a:pos x="connsiteX20" y="connsiteY20"/>
-              </a:cxn>
-              <a:cxn ang="0">
-                <a:pos x="connsiteX21" y="connsiteY21"/>
-              </a:cxn>
-              <a:cxn ang="0">
-                <a:pos x="connsiteX22" y="connsiteY22"/>
-              </a:cxn>
-              <a:cxn ang="0">
-                <a:pos x="connsiteX23" y="connsiteY23"/>
-              </a:cxn>
-              <a:cxn ang="0">
-                <a:pos x="connsiteX24" y="connsiteY24"/>
-              </a:cxn>
-              <a:cxn ang="0">
-                <a:pos x="connsiteX25" y="connsiteY25"/>
-              </a:cxn>
-              <a:cxn ang="0">
-                <a:pos x="connsiteX26" y="connsiteY26"/>
-              </a:cxn>
-              <a:cxn ang="0">
-                <a:pos x="connsiteX27" y="connsiteY27"/>
-              </a:cxn>
-              <a:cxn ang="0">
-                <a:pos x="connsiteX28" y="connsiteY28"/>
-              </a:cxn>
-              <a:cxn ang="0">
-                <a:pos x="connsiteX29" y="connsiteY29"/>
-              </a:cxn>
-              <a:cxn ang="0">
-                <a:pos x="connsiteX30" y="connsiteY30"/>
-              </a:cxn>
-              <a:cxn ang="0">
-                <a:pos x="connsiteX31" y="connsiteY31"/>
-              </a:cxn>
-              <a:cxn ang="0">
-                <a:pos x="connsiteX32" y="connsiteY32"/>
-              </a:cxn>
-              <a:cxn ang="0">
-                <a:pos x="connsiteX33" y="connsiteY33"/>
-              </a:cxn>
-              <a:cxn ang="0">
-                <a:pos x="connsiteX34" y="connsiteY34"/>
-              </a:cxn>
-              <a:cxn ang="0">
-                <a:pos x="connsiteX35" y="connsiteY35"/>
-              </a:cxn>
-              <a:cxn ang="0">
-                <a:pos x="connsiteX36" y="connsiteY36"/>
-              </a:cxn>
-              <a:cxn ang="0">
-                <a:pos x="connsiteX37" y="connsiteY37"/>
-              </a:cxn>
-            </a:cxnLst>
-            <a:rect l="l" t="t" r="r" b="b"/>
-            <a:pathLst>
-              <a:path w="12192000" h="1337515">
-                <a:moveTo>
-                  <a:pt x="10993060" y="0"/>
-                </a:moveTo>
-                <a:cubicBezTo>
-                  <a:pt x="11410460" y="0"/>
-                  <a:pt x="11798225" y="126889"/>
-                  <a:pt x="12119884" y="344197"/>
-                </a:cubicBezTo>
-                <a:lnTo>
-                  <a:pt x="12192000" y="396792"/>
-                </a:lnTo>
-                <a:lnTo>
-                  <a:pt x="12192000" y="1337515"/>
-                </a:lnTo>
-                <a:lnTo>
-                  <a:pt x="6775368" y="1337515"/>
-                </a:lnTo>
-                <a:lnTo>
-                  <a:pt x="6783200" y="1333742"/>
-                </a:lnTo>
-                <a:cubicBezTo>
-                  <a:pt x="6914670" y="1278135"/>
-                  <a:pt x="7059215" y="1247385"/>
-                  <a:pt x="7210941" y="1247385"/>
-                </a:cubicBezTo>
-                <a:cubicBezTo>
-                  <a:pt x="7324735" y="1247385"/>
-                  <a:pt x="7434490" y="1264682"/>
-                  <a:pt x="7537720" y="1296790"/>
-                </a:cubicBezTo>
-                <a:lnTo>
-                  <a:pt x="7626370" y="1329236"/>
-                </a:lnTo>
-                <a:lnTo>
-                  <a:pt x="7687424" y="1273746"/>
-                </a:lnTo>
-                <a:cubicBezTo>
-                  <a:pt x="7877379" y="1116982"/>
-                  <a:pt x="8120905" y="1022811"/>
-                  <a:pt x="8386426" y="1022811"/>
-                </a:cubicBezTo>
-                <a:cubicBezTo>
-                  <a:pt x="8538152" y="1022811"/>
-                  <a:pt x="8682696" y="1053561"/>
-                  <a:pt x="8814167" y="1109168"/>
-                </a:cubicBezTo>
-                <a:lnTo>
-                  <a:pt x="8830204" y="1116894"/>
-                </a:lnTo>
-                <a:lnTo>
-                  <a:pt x="8845482" y="1067677"/>
-                </a:lnTo>
-                <a:cubicBezTo>
-                  <a:pt x="8912454" y="909338"/>
-                  <a:pt x="9069238" y="798237"/>
-                  <a:pt x="9251972" y="798237"/>
-                </a:cubicBezTo>
-                <a:cubicBezTo>
-                  <a:pt x="9282428" y="798237"/>
-                  <a:pt x="9312162" y="801323"/>
-                  <a:pt x="9340881" y="807200"/>
-                </a:cubicBezTo>
-                <a:lnTo>
-                  <a:pt x="9374830" y="817739"/>
-                </a:lnTo>
-                <a:lnTo>
-                  <a:pt x="9437886" y="733416"/>
-                </a:lnTo>
-                <a:cubicBezTo>
-                  <a:pt x="9807538" y="285501"/>
-                  <a:pt x="10366958" y="0"/>
-                  <a:pt x="10993060" y="0"/>
-                </a:cubicBezTo>
-                <a:close/>
-                <a:moveTo>
-                  <a:pt x="1198940" y="0"/>
-                </a:moveTo>
-                <a:cubicBezTo>
-                  <a:pt x="1825044" y="0"/>
-                  <a:pt x="2384462" y="285501"/>
-                  <a:pt x="2754114" y="733416"/>
-                </a:cubicBezTo>
-                <a:lnTo>
-                  <a:pt x="2817170" y="817739"/>
-                </a:lnTo>
-                <a:lnTo>
-                  <a:pt x="2851119" y="807200"/>
-                </a:lnTo>
-                <a:cubicBezTo>
-                  <a:pt x="2879838" y="801323"/>
-                  <a:pt x="2909572" y="798237"/>
-                  <a:pt x="2940028" y="798237"/>
-                </a:cubicBezTo>
-                <a:cubicBezTo>
-                  <a:pt x="3122762" y="798237"/>
-                  <a:pt x="3279546" y="909338"/>
-                  <a:pt x="3346518" y="1067677"/>
-                </a:cubicBezTo>
-                <a:lnTo>
-                  <a:pt x="3361796" y="1116894"/>
-                </a:lnTo>
-                <a:lnTo>
-                  <a:pt x="3377833" y="1109168"/>
-                </a:lnTo>
-                <a:cubicBezTo>
-                  <a:pt x="3509304" y="1053561"/>
-                  <a:pt x="3653848" y="1022811"/>
-                  <a:pt x="3805574" y="1022811"/>
-                </a:cubicBezTo>
-                <a:cubicBezTo>
-                  <a:pt x="4071095" y="1022811"/>
-                  <a:pt x="4314623" y="1116982"/>
-                  <a:pt x="4504578" y="1273746"/>
-                </a:cubicBezTo>
-                <a:lnTo>
-                  <a:pt x="4565630" y="1329236"/>
-                </a:lnTo>
-                <a:lnTo>
-                  <a:pt x="4654282" y="1296790"/>
-                </a:lnTo>
-                <a:cubicBezTo>
-                  <a:pt x="4757511" y="1264682"/>
-                  <a:pt x="4867265" y="1247385"/>
-                  <a:pt x="4981061" y="1247385"/>
-                </a:cubicBezTo>
-                <a:cubicBezTo>
-                  <a:pt x="5132787" y="1247385"/>
-                  <a:pt x="5277331" y="1278135"/>
-                  <a:pt x="5408801" y="1333742"/>
-                </a:cubicBezTo>
-                <a:lnTo>
-                  <a:pt x="5416634" y="1337515"/>
-                </a:lnTo>
-                <a:lnTo>
-                  <a:pt x="0" y="1337515"/>
-                </a:lnTo>
-                <a:lnTo>
-                  <a:pt x="0" y="396792"/>
-                </a:lnTo>
-                <a:lnTo>
-                  <a:pt x="72117" y="344197"/>
-                </a:lnTo>
-                <a:cubicBezTo>
-                  <a:pt x="393775" y="126889"/>
-                  <a:pt x="781540" y="0"/>
-                  <a:pt x="1198940" y="0"/>
-                </a:cubicBezTo>
-                <a:close/>
-              </a:path>
-            </a:pathLst>
-          </a:custGeom>
-          <a:solidFill>
-            <a:schemeClr val="bg1"/>
-          </a:solidFill>
-          <a:ln>
-            <a:noFill/>
-          </a:ln>
-          <a:effectLst/>
-        </p:spPr>
-        <p:style>
-          <a:lnRef idx="2">
-            <a:schemeClr val="accent1">
-              <a:shade val="50000"/>
-            </a:schemeClr>
-          </a:lnRef>
-          <a:fillRef idx="1">
-            <a:schemeClr val="accent1"/>
-          </a:fillRef>
-          <a:effectRef idx="0">
-            <a:schemeClr val="accent1"/>
-          </a:effectRef>
-          <a:fontRef idx="minor">
-            <a:schemeClr val="lt1"/>
-          </a:fontRef>
-        </p:style>
-        <p:txBody>
-          <a:bodyPr rtlCol="0" anchor="ctr"/>
-          <a:p>
-            <a:pPr algn="ctr"/>
-            <a:r>
-              <a:rPr lang="en-US" altLang="zh-CN" sz="2800">
-                <a:solidFill>
-                  <a:schemeClr val="bg1"/>
-                </a:solidFill>
-                <a:latin typeface="微软雅黑" panose="020B0503020204020204" charset="-122"/>
-                <a:ea typeface="微软雅黑" panose="020B0503020204020204" charset="-122"/>
-                <a:sym typeface="+mn-ea"/>
-              </a:rPr>
-              <a:t> Yahboom</a:t>
-            </a:r>
-            <a:r>
-              <a:rPr lang="zh-CN" altLang="en-US" sz="2800">
-                <a:solidFill>
-                  <a:schemeClr val="bg1"/>
-                </a:solidFill>
-                <a:latin typeface="微软雅黑" panose="020B0503020204020204" charset="-122"/>
-                <a:ea typeface="微软雅黑" panose="020B0503020204020204" charset="-122"/>
-                <a:sym typeface="+mn-ea"/>
-              </a:rPr>
-              <a:t>     </a:t>
-            </a:r>
-            <a:r>
-              <a:rPr lang="en-US" altLang="zh-CN" sz="2800">
-                <a:solidFill>
-                  <a:schemeClr val="bg1"/>
-                </a:solidFill>
-                <a:latin typeface="微软雅黑" panose="020B0503020204020204" charset="-122"/>
-                <a:ea typeface="微软雅黑" panose="020B0503020204020204" charset="-122"/>
-                <a:sym typeface="+mn-ea"/>
-              </a:rPr>
-              <a:t>micro:bit t</a:t>
-            </a:r>
-            <a:r>
-              <a:rPr lang="zh-CN" altLang="en-US" sz="2800">
-                <a:solidFill>
-                  <a:schemeClr val="bg1"/>
-                </a:solidFill>
-                <a:latin typeface="微软雅黑" panose="020B0503020204020204" charset="-122"/>
-                <a:ea typeface="微软雅黑" panose="020B0503020204020204" charset="-122"/>
-                <a:sym typeface="+mn-ea"/>
-              </a:rPr>
-              <a:t>utorial</a:t>
-            </a:r>
-            <a:endParaRPr lang="zh-CN" altLang="en-US" sz="2800">
-              <a:solidFill>
-                <a:schemeClr val="bg1"/>
-              </a:solidFill>
-              <a:latin typeface="微软雅黑" panose="020B0503020204020204" charset="-122"/>
-              <a:ea typeface="微软雅黑" panose="020B0503020204020204" charset="-122"/>
-              <a:sym typeface="+mn-ea"/>
-            </a:endParaRPr>
-          </a:p>
-        </p:txBody>
-      </p:sp>
-    </p:spTree>
-  </p:cSld>
-  <p:clrMapOvr>
-    <a:masterClrMapping/>
-  </p:clrMapOvr>
-</p:sld>
-</file>
-
-<file path=ppt/slides/slide16.xml><?xml version="1.0" encoding="utf-8"?>
 <p:sld xmlns:a="http://schemas.openxmlformats.org/drawingml/2006/main" xmlns:r="http://schemas.openxmlformats.org/officeDocument/2006/relationships" xmlns:p="http://schemas.openxmlformats.org/presentationml/2006/main">
   <p:cSld>
     <p:bg>
@@ -11533,8 +10391,8 @@
         </p:nvSpPr>
         <p:spPr>
           <a:xfrm>
-            <a:off x="6801485" y="2830195"/>
-            <a:ext cx="3860800" cy="1568450"/>
+            <a:off x="6801485" y="4477385"/>
+            <a:ext cx="3860800" cy="825500"/>
           </a:xfrm>
           <a:prstGeom prst="rect">
             <a:avLst/>
@@ -11548,40 +10406,27 @@
           <a:p>
             <a:pPr algn="l"/>
             <a:r>
-              <a:rPr lang="en-US" sz="2400" dirty="0">
+              <a:rPr sz="1600" dirty="0">
                 <a:solidFill>
                   <a:schemeClr val="accent5">
                     <a:lumMod val="75000"/>
                   </a:schemeClr>
                 </a:solidFill>
-                <a:ea typeface="宋体" panose="02010600030101010101" pitchFamily="2" charset="-122"/>
-                <a:cs typeface="+mn-lt"/>
-                <a:sym typeface="+mn-ea"/>
-              </a:rPr>
-              <a:t>           </a:t>
-            </a:r>
-            <a:r>
-              <a:rPr sz="2400" dirty="0">
-                <a:solidFill>
-                  <a:schemeClr val="accent5">
-                    <a:lumMod val="75000"/>
-                  </a:schemeClr>
-                </a:solidFill>
-                <a:ea typeface="宋体" panose="02010600030101010101" pitchFamily="2" charset="-122"/>
+                <a:ea typeface="宋体" pitchFamily="2" charset="-122"/>
                 <a:cs typeface="+mn-lt"/>
                 <a:sym typeface="+mn-ea"/>
               </a:rPr>
               <a:t>This is the complete building block for this course, let's download it to the micro:bit Game Handle.</a:t>
             </a:r>
-            <a:endParaRPr lang="zh-CN" sz="2400" dirty="0">
+            <a:endParaRPr lang="zh-CN" sz="1600" dirty="0">
               <a:solidFill>
                 <a:schemeClr val="accent5">
                   <a:lumMod val="75000"/>
                 </a:schemeClr>
               </a:solidFill>
-              <a:latin typeface="宋体" panose="02010600030101010101" pitchFamily="2" charset="-122"/>
-              <a:ea typeface="宋体" panose="02010600030101010101" pitchFamily="2" charset="-122"/>
-              <a:cs typeface="宋体" panose="02010600030101010101" pitchFamily="2" charset="-122"/>
+              <a:latin typeface="宋体" pitchFamily="2" charset="-122"/>
+              <a:ea typeface="宋体" pitchFamily="2" charset="-122"/>
+              <a:cs typeface="宋体" pitchFamily="2" charset="-122"/>
             </a:endParaRPr>
           </a:p>
         </p:txBody>
@@ -11611,7 +10456,7 @@
                   <a:schemeClr val="accent2"/>
                 </a:solidFill>
                 <a:latin typeface="+mn-lt"/>
-                <a:ea typeface="微软雅黑" panose="020B0503020204020204" charset="-122"/>
+                <a:ea typeface="微软雅黑" charset="-122"/>
                 <a:cs typeface="+mn-lt"/>
               </a:rPr>
               <a:t>micro:bit p</a:t>
@@ -11622,7 +10467,7 @@
                   <a:schemeClr val="accent2"/>
                 </a:solidFill>
                 <a:latin typeface="+mn-lt"/>
-                <a:ea typeface="微软雅黑" panose="020B0503020204020204" charset="-122"/>
+                <a:ea typeface="微软雅黑" charset="-122"/>
                 <a:cs typeface="+mn-lt"/>
               </a:rPr>
               <a:t>rogramming tutorial</a:t>
@@ -11632,7 +10477,7 @@
                 <a:schemeClr val="accent2"/>
               </a:solidFill>
               <a:latin typeface="+mn-lt"/>
-              <a:ea typeface="微软雅黑" panose="020B0503020204020204" charset="-122"/>
+              <a:ea typeface="微软雅黑" charset="-122"/>
               <a:cs typeface="+mn-lt"/>
             </a:endParaRPr>
           </a:p>
@@ -12033,8 +10878,8 @@
                 <a:solidFill>
                   <a:schemeClr val="bg1"/>
                 </a:solidFill>
-                <a:latin typeface="微软雅黑" panose="020B0503020204020204" charset="-122"/>
-                <a:ea typeface="微软雅黑" panose="020B0503020204020204" charset="-122"/>
+                <a:latin typeface="微软雅黑" charset="-122"/>
+                <a:ea typeface="微软雅黑" charset="-122"/>
                 <a:sym typeface="+mn-ea"/>
               </a:rPr>
               <a:t> Yahboom</a:t>
@@ -12044,8 +10889,8 @@
                 <a:solidFill>
                   <a:schemeClr val="bg1"/>
                 </a:solidFill>
-                <a:latin typeface="微软雅黑" panose="020B0503020204020204" charset="-122"/>
-                <a:ea typeface="微软雅黑" panose="020B0503020204020204" charset="-122"/>
+                <a:latin typeface="微软雅黑" charset="-122"/>
+                <a:ea typeface="微软雅黑" charset="-122"/>
                 <a:sym typeface="+mn-ea"/>
               </a:rPr>
               <a:t>     </a:t>
@@ -12055,8 +10900,8 @@
                 <a:solidFill>
                   <a:schemeClr val="bg1"/>
                 </a:solidFill>
-                <a:latin typeface="微软雅黑" panose="020B0503020204020204" charset="-122"/>
-                <a:ea typeface="微软雅黑" panose="020B0503020204020204" charset="-122"/>
+                <a:latin typeface="微软雅黑" charset="-122"/>
+                <a:ea typeface="微软雅黑" charset="-122"/>
                 <a:sym typeface="+mn-ea"/>
               </a:rPr>
               <a:t>micro:bit t</a:t>
@@ -12066,8 +10911,8 @@
                 <a:solidFill>
                   <a:schemeClr val="bg1"/>
                 </a:solidFill>
-                <a:latin typeface="微软雅黑" panose="020B0503020204020204" charset="-122"/>
-                <a:ea typeface="微软雅黑" panose="020B0503020204020204" charset="-122"/>
+                <a:latin typeface="微软雅黑" charset="-122"/>
+                <a:ea typeface="微软雅黑" charset="-122"/>
                 <a:sym typeface="+mn-ea"/>
               </a:rPr>
               <a:t>utorial</a:t>
@@ -12076,8 +10921,8 @@
               <a:solidFill>
                 <a:schemeClr val="bg1"/>
               </a:solidFill>
-              <a:latin typeface="微软雅黑" panose="020B0503020204020204" charset="-122"/>
-              <a:ea typeface="微软雅黑" panose="020B0503020204020204" charset="-122"/>
+              <a:latin typeface="微软雅黑" charset="-122"/>
+              <a:ea typeface="微软雅黑" charset="-122"/>
               <a:sym typeface="+mn-ea"/>
             </a:endParaRPr>
           </a:p>
@@ -12085,7 +10930,7 @@
       </p:sp>
       <p:pic>
         <p:nvPicPr>
-          <p:cNvPr id="19" name="图片 18"/>
+          <p:cNvPr id="2" name="图片 1"/>
           <p:cNvPicPr>
             <a:picLocks noChangeAspect="1"/>
           </p:cNvPicPr>
@@ -12099,14 +10944,113 @@
         </p:blipFill>
         <p:spPr>
           <a:xfrm>
-            <a:off x="1437640" y="1936750"/>
-            <a:ext cx="3764280" cy="3579495"/>
+            <a:off x="1229995" y="1986280"/>
+            <a:ext cx="5664835" cy="3305175"/>
           </a:xfrm>
           <a:prstGeom prst="rect">
             <a:avLst/>
           </a:prstGeom>
         </p:spPr>
       </p:pic>
+      <p:sp>
+        <p:nvSpPr>
+          <p:cNvPr id="3" name="文本框 2"/>
+          <p:cNvSpPr txBox="1"/>
+          <p:nvPr/>
+        </p:nvSpPr>
+        <p:spPr>
+          <a:xfrm>
+            <a:off x="6903720" y="2355215"/>
+            <a:ext cx="3670935" cy="1557020"/>
+          </a:xfrm>
+          <a:prstGeom prst="rect">
+            <a:avLst/>
+          </a:prstGeom>
+          <a:noFill/>
+        </p:spPr>
+        <p:txBody>
+          <a:bodyPr wrap="square" rtlCol="0">
+            <a:spAutoFit/>
+          </a:bodyPr>
+          <a:p>
+            <a:pPr algn="l"/>
+            <a:r>
+              <a:rPr lang="en-US" sz="1600" b="1" dirty="0">
+                <a:solidFill>
+                  <a:srgbClr val="FF0000"/>
+                </a:solidFill>
+                <a:ea typeface="宋体" pitchFamily="2" charset="-122"/>
+                <a:cs typeface="+mn-lt"/>
+                <a:sym typeface="+mn-ea"/>
+              </a:rPr>
+              <a:t>!N</a:t>
+            </a:r>
+            <a:r>
+              <a:rPr sz="1600" b="1" dirty="0">
+                <a:solidFill>
+                  <a:srgbClr val="FF0000"/>
+                </a:solidFill>
+                <a:ea typeface="宋体" pitchFamily="2" charset="-122"/>
+                <a:cs typeface="+mn-lt"/>
+                <a:sym typeface="+mn-ea"/>
+              </a:rPr>
+              <a:t>ote:</a:t>
+            </a:r>
+            <a:endParaRPr sz="1600" b="1" dirty="0">
+              <a:solidFill>
+                <a:srgbClr val="FF0000"/>
+              </a:solidFill>
+              <a:ea typeface="宋体" pitchFamily="2" charset="-122"/>
+              <a:cs typeface="+mn-lt"/>
+              <a:sym typeface="+mn-ea"/>
+            </a:endParaRPr>
+          </a:p>
+          <a:p>
+            <a:pPr algn="l"/>
+            <a:r>
+              <a:rPr sz="1600" b="1" dirty="0">
+                <a:solidFill>
+                  <a:srgbClr val="FF0000"/>
+                </a:solidFill>
+                <a:ea typeface="宋体" pitchFamily="2" charset="-122"/>
+                <a:cs typeface="+mn-lt"/>
+                <a:sym typeface="+mn-ea"/>
+              </a:rPr>
+              <a:t>Because the colorful water flow l</a:t>
+            </a:r>
+            <a:r>
+              <a:rPr lang="en-US" sz="1600" b="1" dirty="0">
+                <a:solidFill>
+                  <a:srgbClr val="FF0000"/>
+                </a:solidFill>
+                <a:ea typeface="宋体" pitchFamily="2" charset="-122"/>
+                <a:cs typeface="+mn-lt"/>
+                <a:sym typeface="+mn-ea"/>
+              </a:rPr>
+              <a:t>ight </a:t>
+            </a:r>
+            <a:r>
+              <a:rPr sz="1600" b="1" dirty="0">
+                <a:solidFill>
+                  <a:srgbClr val="FF0000"/>
+                </a:solidFill>
+                <a:ea typeface="宋体" pitchFamily="2" charset="-122"/>
+                <a:cs typeface="+mn-lt"/>
+                <a:sym typeface="+mn-ea"/>
+              </a:rPr>
+              <a:t>uses the P4 pin, the photoresistor uses the P10 pin, which is multiplexed with the micro:bit dot matrix pin. So we need to turn off the LED during initialization.</a:t>
+            </a:r>
+            <a:endParaRPr sz="1600" b="1" dirty="0">
+              <a:solidFill>
+                <a:srgbClr val="FF0000"/>
+              </a:solidFill>
+              <a:ea typeface="宋体" pitchFamily="2" charset="-122"/>
+              <a:cs typeface="+mn-lt"/>
+              <a:sym typeface="+mn-ea"/>
+            </a:endParaRPr>
+          </a:p>
+        </p:txBody>
+      </p:sp>
     </p:spTree>
   </p:cSld>
   <p:clrMapOvr>
@@ -12115,7 +11059,7 @@
 </p:sld>
 </file>
 
-<file path=ppt/slides/slide17.xml><?xml version="1.0" encoding="utf-8"?>
+<file path=ppt/slides/slide16.xml><?xml version="1.0" encoding="utf-8"?>
 <p:sld xmlns:a="http://schemas.openxmlformats.org/drawingml/2006/main" xmlns:r="http://schemas.openxmlformats.org/officeDocument/2006/relationships" xmlns:p="http://schemas.openxmlformats.org/presentationml/2006/main">
   <p:cSld>
     <p:bg>
@@ -12678,7 +11622,7 @@
         <p:spPr>
           <a:xfrm>
             <a:off x="2286635" y="1911350"/>
-            <a:ext cx="7618095" cy="4154170"/>
+            <a:ext cx="7618095" cy="4117975"/>
           </a:xfrm>
           <a:prstGeom prst="rect">
             <a:avLst/>
@@ -12700,7 +11644,6 @@
                     <a:lumMod val="75000"/>
                   </a:schemeClr>
                 </a:solidFill>
-                <a:latin typeface="方正少儿_GBK" panose="02000000000000000000" charset="-122"/>
                 <a:ea typeface="方正少儿_GBK" panose="02000000000000000000" charset="-122"/>
                 <a:sym typeface="+mn-ea"/>
               </a:rPr>
@@ -12712,7 +11655,6 @@
                   <a:lumMod val="75000"/>
                 </a:schemeClr>
               </a:solidFill>
-              <a:latin typeface="方正少儿_GBK" panose="02000000000000000000" charset="-122"/>
               <a:ea typeface="方正少儿_GBK" panose="02000000000000000000" charset="-122"/>
               <a:sym typeface="+mn-ea"/>
             </a:endParaRPr>
@@ -12728,7 +11670,6 @@
                     <a:lumMod val="75000"/>
                   </a:schemeClr>
                 </a:solidFill>
-                <a:latin typeface="方正少儿_GBK" panose="02000000000000000000" charset="-122"/>
                 <a:ea typeface="方正少儿_GBK" panose="02000000000000000000" charset="-122"/>
                 <a:sym typeface="+mn-ea"/>
               </a:rPr>
@@ -12740,7 +11681,6 @@
                   <a:lumMod val="75000"/>
                 </a:schemeClr>
               </a:solidFill>
-              <a:latin typeface="方正少儿_GBK" panose="02000000000000000000" charset="-122"/>
               <a:ea typeface="方正少儿_GBK" panose="02000000000000000000" charset="-122"/>
               <a:sym typeface="+mn-ea"/>
             </a:endParaRPr>
@@ -12756,7 +11696,6 @@
                     <a:lumMod val="75000"/>
                   </a:schemeClr>
                 </a:solidFill>
-                <a:latin typeface="方正少儿_GBK" panose="02000000000000000000" charset="-122"/>
                 <a:ea typeface="方正少儿_GBK" panose="02000000000000000000" charset="-122"/>
                 <a:sym typeface="+mn-ea"/>
               </a:rPr>
@@ -12768,7 +11707,6 @@
                   <a:lumMod val="75000"/>
                 </a:schemeClr>
               </a:solidFill>
-              <a:latin typeface="方正少儿_GBK" panose="02000000000000000000" charset="-122"/>
               <a:ea typeface="方正少儿_GBK" panose="02000000000000000000" charset="-122"/>
               <a:sym typeface="+mn-ea"/>
             </a:endParaRPr>
@@ -12779,7 +11717,6 @@
               <a:solidFill>
                 <a:srgbClr val="FF0000"/>
               </a:solidFill>
-              <a:latin typeface="方正少儿_GBK" panose="02000000000000000000" charset="-122"/>
               <a:ea typeface="方正少儿_GBK" panose="02000000000000000000" charset="-122"/>
               <a:sym typeface="+mn-ea"/>
             </a:endParaRPr>
@@ -12791,7 +11728,7 @@
                 <a:solidFill>
                   <a:srgbClr val="FF0000"/>
                 </a:solidFill>
-                <a:ea typeface="宋体" panose="02010600030101010101" pitchFamily="2" charset="-122"/>
+                <a:ea typeface="宋体" pitchFamily="2" charset="-122"/>
                 <a:cs typeface="+mn-lt"/>
                 <a:sym typeface="+mn-ea"/>
               </a:rPr>
@@ -12802,7 +11739,7 @@
                 <a:solidFill>
                   <a:srgbClr val="FF0000"/>
                 </a:solidFill>
-                <a:ea typeface="宋体" panose="02010600030101010101" pitchFamily="2" charset="-122"/>
+                <a:ea typeface="宋体" pitchFamily="2" charset="-122"/>
                 <a:cs typeface="+mn-lt"/>
                 <a:sym typeface="+mn-ea"/>
               </a:rPr>
@@ -12812,7 +11749,7 @@
               <a:solidFill>
                 <a:srgbClr val="FF0000"/>
               </a:solidFill>
-              <a:ea typeface="宋体" panose="02010600030101010101" pitchFamily="2" charset="-122"/>
+              <a:ea typeface="宋体" pitchFamily="2" charset="-122"/>
               <a:cs typeface="+mn-lt"/>
               <a:sym typeface="+mn-ea"/>
             </a:endParaRPr>
@@ -12830,7 +11767,6 @@
                     <a:lumMod val="75000"/>
                   </a:schemeClr>
                 </a:solidFill>
-                <a:latin typeface="方正少儿_GBK" panose="02000000000000000000" charset="-122"/>
                 <a:ea typeface="方正少儿_GBK" panose="02000000000000000000" charset="-122"/>
                 <a:sym typeface="+mn-ea"/>
               </a:rPr>
@@ -12849,7 +11785,6 @@
                   </a:schemeClr>
                 </a:outerShdw>
               </a:effectLst>
-              <a:latin typeface="方正少儿_GBK" panose="02000000000000000000" charset="-122"/>
               <a:ea typeface="方正少儿_GBK" panose="02000000000000000000" charset="-122"/>
               <a:sym typeface="+mn-ea"/>
             </a:endParaRPr>
@@ -12869,7 +11804,6 @@
                   </a:schemeClr>
                 </a:outerShdw>
               </a:effectLst>
-              <a:latin typeface="方正少儿_GBK" panose="02000000000000000000" charset="-122"/>
               <a:ea typeface="方正少儿_GBK" panose="02000000000000000000" charset="-122"/>
               <a:sym typeface="+mn-ea"/>
             </a:endParaRPr>
@@ -12905,7 +11839,7 @@
                   <a:schemeClr val="accent2"/>
                 </a:solidFill>
                 <a:latin typeface="+mn-lt"/>
-                <a:ea typeface="微软雅黑" panose="020B0503020204020204" charset="-122"/>
+                <a:ea typeface="微软雅黑" charset="-122"/>
                 <a:cs typeface="+mn-lt"/>
               </a:rPr>
               <a:t>micro:bit p</a:t>
@@ -12916,7 +11850,7 @@
                   <a:schemeClr val="accent2"/>
                 </a:solidFill>
                 <a:latin typeface="+mn-lt"/>
-                <a:ea typeface="微软雅黑" panose="020B0503020204020204" charset="-122"/>
+                <a:ea typeface="微软雅黑" charset="-122"/>
                 <a:cs typeface="+mn-lt"/>
               </a:rPr>
               <a:t>rogramming tutorial</a:t>
@@ -12926,7 +11860,7 @@
                 <a:schemeClr val="accent2"/>
               </a:solidFill>
               <a:latin typeface="+mn-lt"/>
-              <a:ea typeface="微软雅黑" panose="020B0503020204020204" charset="-122"/>
+              <a:ea typeface="微软雅黑" charset="-122"/>
               <a:cs typeface="+mn-lt"/>
             </a:endParaRPr>
           </a:p>
@@ -13327,8 +12261,8 @@
                 <a:solidFill>
                   <a:schemeClr val="bg1"/>
                 </a:solidFill>
-                <a:latin typeface="微软雅黑" panose="020B0503020204020204" charset="-122"/>
-                <a:ea typeface="微软雅黑" panose="020B0503020204020204" charset="-122"/>
+                <a:latin typeface="微软雅黑" charset="-122"/>
+                <a:ea typeface="微软雅黑" charset="-122"/>
                 <a:sym typeface="+mn-ea"/>
               </a:rPr>
               <a:t> Yahboom</a:t>
@@ -13338,8 +12272,8 @@
                 <a:solidFill>
                   <a:schemeClr val="bg1"/>
                 </a:solidFill>
-                <a:latin typeface="微软雅黑" panose="020B0503020204020204" charset="-122"/>
-                <a:ea typeface="微软雅黑" panose="020B0503020204020204" charset="-122"/>
+                <a:latin typeface="微软雅黑" charset="-122"/>
+                <a:ea typeface="微软雅黑" charset="-122"/>
                 <a:sym typeface="+mn-ea"/>
               </a:rPr>
               <a:t>     </a:t>
@@ -13349,8 +12283,8 @@
                 <a:solidFill>
                   <a:schemeClr val="bg1"/>
                 </a:solidFill>
-                <a:latin typeface="微软雅黑" panose="020B0503020204020204" charset="-122"/>
-                <a:ea typeface="微软雅黑" panose="020B0503020204020204" charset="-122"/>
+                <a:latin typeface="微软雅黑" charset="-122"/>
+                <a:ea typeface="微软雅黑" charset="-122"/>
                 <a:sym typeface="+mn-ea"/>
               </a:rPr>
               <a:t>micro:bit t</a:t>
@@ -13360,8 +12294,8 @@
                 <a:solidFill>
                   <a:schemeClr val="bg1"/>
                 </a:solidFill>
-                <a:latin typeface="微软雅黑" panose="020B0503020204020204" charset="-122"/>
-                <a:ea typeface="微软雅黑" panose="020B0503020204020204" charset="-122"/>
+                <a:latin typeface="微软雅黑" charset="-122"/>
+                <a:ea typeface="微软雅黑" charset="-122"/>
                 <a:sym typeface="+mn-ea"/>
               </a:rPr>
               <a:t>utorial</a:t>
@@ -13370,8 +12304,8 @@
               <a:solidFill>
                 <a:schemeClr val="bg1"/>
               </a:solidFill>
-              <a:latin typeface="微软雅黑" panose="020B0503020204020204" charset="-122"/>
-              <a:ea typeface="微软雅黑" panose="020B0503020204020204" charset="-122"/>
+              <a:latin typeface="微软雅黑" charset="-122"/>
+              <a:ea typeface="微软雅黑" charset="-122"/>
               <a:sym typeface="+mn-ea"/>
             </a:endParaRPr>
           </a:p>
@@ -13385,7 +12319,7 @@
 </p:sld>
 </file>
 
-<file path=ppt/slides/slide18.xml><?xml version="1.0" encoding="utf-8"?>
+<file path=ppt/slides/slide17.xml><?xml version="1.0" encoding="utf-8"?>
 <p:sld xmlns:a="http://schemas.openxmlformats.org/drawingml/2006/main" xmlns:r="http://schemas.openxmlformats.org/officeDocument/2006/relationships" xmlns:p="http://schemas.openxmlformats.org/presentationml/2006/main">
   <p:cSld>
     <p:bg>
@@ -14398,7 +13332,7 @@
                   <a:schemeClr val="accent2"/>
                 </a:solidFill>
                 <a:latin typeface="+mn-lt"/>
-                <a:ea typeface="微软雅黑" panose="020B0503020204020204" charset="-122"/>
+                <a:ea typeface="微软雅黑" charset="-122"/>
                 <a:cs typeface="+mn-lt"/>
               </a:rPr>
               <a:t>micro:bit p</a:t>
@@ -14409,7 +13343,7 @@
                   <a:schemeClr val="accent2"/>
                 </a:solidFill>
                 <a:latin typeface="+mn-lt"/>
-                <a:ea typeface="微软雅黑" panose="020B0503020204020204" charset="-122"/>
+                <a:ea typeface="微软雅黑" charset="-122"/>
                 <a:cs typeface="+mn-lt"/>
               </a:rPr>
               <a:t>rogramming tutorial</a:t>
@@ -14419,7 +13353,7 @@
                 <a:schemeClr val="accent2"/>
               </a:solidFill>
               <a:latin typeface="+mn-lt"/>
-              <a:ea typeface="微软雅黑" panose="020B0503020204020204" charset="-122"/>
+              <a:ea typeface="微软雅黑" charset="-122"/>
               <a:cs typeface="+mn-lt"/>
             </a:endParaRPr>
           </a:p>
@@ -14820,8 +13754,8 @@
                 <a:solidFill>
                   <a:schemeClr val="bg1"/>
                 </a:solidFill>
-                <a:latin typeface="微软雅黑" panose="020B0503020204020204" charset="-122"/>
-                <a:ea typeface="微软雅黑" panose="020B0503020204020204" charset="-122"/>
+                <a:latin typeface="微软雅黑" charset="-122"/>
+                <a:ea typeface="微软雅黑" charset="-122"/>
                 <a:sym typeface="+mn-ea"/>
               </a:rPr>
               <a:t> Yahboom</a:t>
@@ -14831,8 +13765,8 @@
                 <a:solidFill>
                   <a:schemeClr val="bg1"/>
                 </a:solidFill>
-                <a:latin typeface="微软雅黑" panose="020B0503020204020204" charset="-122"/>
-                <a:ea typeface="微软雅黑" panose="020B0503020204020204" charset="-122"/>
+                <a:latin typeface="微软雅黑" charset="-122"/>
+                <a:ea typeface="微软雅黑" charset="-122"/>
                 <a:sym typeface="+mn-ea"/>
               </a:rPr>
               <a:t>     </a:t>
@@ -14842,8 +13776,8 @@
                 <a:solidFill>
                   <a:schemeClr val="bg1"/>
                 </a:solidFill>
-                <a:latin typeface="微软雅黑" panose="020B0503020204020204" charset="-122"/>
-                <a:ea typeface="微软雅黑" panose="020B0503020204020204" charset="-122"/>
+                <a:latin typeface="微软雅黑" charset="-122"/>
+                <a:ea typeface="微软雅黑" charset="-122"/>
                 <a:sym typeface="+mn-ea"/>
               </a:rPr>
               <a:t>micro:bit t</a:t>
@@ -14853,8 +13787,8 @@
                 <a:solidFill>
                   <a:schemeClr val="bg1"/>
                 </a:solidFill>
-                <a:latin typeface="微软雅黑" panose="020B0503020204020204" charset="-122"/>
-                <a:ea typeface="微软雅黑" panose="020B0503020204020204" charset="-122"/>
+                <a:latin typeface="微软雅黑" charset="-122"/>
+                <a:ea typeface="微软雅黑" charset="-122"/>
                 <a:sym typeface="+mn-ea"/>
               </a:rPr>
               <a:t>utorial</a:t>
@@ -14863,8 +13797,8 @@
               <a:solidFill>
                 <a:schemeClr val="bg1"/>
               </a:solidFill>
-              <a:latin typeface="微软雅黑" panose="020B0503020204020204" charset="-122"/>
-              <a:ea typeface="微软雅黑" panose="020B0503020204020204" charset="-122"/>
+              <a:latin typeface="微软雅黑" charset="-122"/>
+              <a:ea typeface="微软雅黑" charset="-122"/>
               <a:sym typeface="+mn-ea"/>
             </a:endParaRPr>
           </a:p>
@@ -15506,14 +14440,14 @@
           <a:p>
             <a:r>
               <a:rPr lang="en-US" altLang="zh-CN" dirty="0" smtClean="0">
-                <a:latin typeface="Arial" panose="020B0604020202020204" pitchFamily="34" charset="0"/>
-                <a:ea typeface="Arial" panose="020B0604020202020204" pitchFamily="34" charset="0"/>
+                <a:latin typeface="Arial" pitchFamily="34" charset="0"/>
+                <a:ea typeface="Arial" pitchFamily="34" charset="0"/>
               </a:rPr>
               <a:t>Part 5</a:t>
             </a:r>
             <a:endParaRPr lang="en-US" altLang="zh-CN" dirty="0" smtClean="0">
-              <a:latin typeface="Arial" panose="020B0604020202020204" pitchFamily="34" charset="0"/>
-              <a:ea typeface="Arial" panose="020B0604020202020204" pitchFamily="34" charset="0"/>
+              <a:latin typeface="Arial" pitchFamily="34" charset="0"/>
+              <a:ea typeface="Arial" pitchFamily="34" charset="0"/>
             </a:endParaRPr>
           </a:p>
         </p:txBody>
@@ -15547,8 +14481,8 @@
                     <a:lumMod val="75000"/>
                   </a:schemeClr>
                 </a:solidFill>
-                <a:latin typeface="Arial" panose="020B0604020202020204" pitchFamily="34" charset="0"/>
-                <a:ea typeface="Arial" panose="020B0604020202020204" pitchFamily="34" charset="0"/>
+                <a:latin typeface="Arial" pitchFamily="34" charset="0"/>
+                <a:ea typeface="Arial" pitchFamily="34" charset="0"/>
                 <a:sym typeface="+mn-ea"/>
                 <a:hlinkClick r:id="rId3" action="ppaction://hlinksldjump"/>
               </a:rPr>
@@ -15560,8 +14494,8 @@
                   <a:lumMod val="75000"/>
                 </a:schemeClr>
               </a:solidFill>
-              <a:latin typeface="黑体" panose="02010609060101010101" charset="-122"/>
-              <a:ea typeface="黑体" panose="02010609060101010101" charset="-122"/>
+              <a:latin typeface="黑体" charset="-122"/>
+              <a:ea typeface="黑体" charset="-122"/>
             </a:endParaRPr>
           </a:p>
         </p:txBody>
@@ -15591,7 +14525,7 @@
                   <a:schemeClr val="accent2"/>
                 </a:solidFill>
                 <a:latin typeface="+mn-lt"/>
-                <a:ea typeface="微软雅黑" panose="020B0503020204020204" charset="-122"/>
+                <a:ea typeface="微软雅黑" charset="-122"/>
                 <a:cs typeface="+mn-lt"/>
               </a:rPr>
               <a:t>micro:bit p</a:t>
@@ -15602,7 +14536,7 @@
                   <a:schemeClr val="accent2"/>
                 </a:solidFill>
                 <a:latin typeface="+mn-lt"/>
-                <a:ea typeface="微软雅黑" panose="020B0503020204020204" charset="-122"/>
+                <a:ea typeface="微软雅黑" charset="-122"/>
                 <a:cs typeface="+mn-lt"/>
               </a:rPr>
               <a:t>rogramming tutorial</a:t>
@@ -15612,7 +14546,7 @@
                 <a:schemeClr val="accent2"/>
               </a:solidFill>
               <a:latin typeface="+mn-lt"/>
-              <a:ea typeface="微软雅黑" panose="020B0503020204020204" charset="-122"/>
+              <a:ea typeface="微软雅黑" charset="-122"/>
               <a:cs typeface="+mn-lt"/>
             </a:endParaRPr>
           </a:p>
@@ -15645,8 +14579,8 @@
                 <a:solidFill>
                   <a:srgbClr val="0070C0"/>
                 </a:solidFill>
-                <a:latin typeface="Arial" panose="020B0604020202020204" pitchFamily="34" charset="0"/>
-                <a:ea typeface="Arial" panose="020B0604020202020204" pitchFamily="34" charset="0"/>
+                <a:latin typeface="Arial" pitchFamily="34" charset="0"/>
+                <a:ea typeface="Arial" pitchFamily="34" charset="0"/>
                 <a:hlinkClick r:id="rId4" action="ppaction://hlinksldjump"/>
               </a:rPr>
               <a:t>Learning goals</a:t>
@@ -15655,8 +14589,8 @@
               <a:solidFill>
                 <a:srgbClr val="0070C0"/>
               </a:solidFill>
-              <a:latin typeface="Arial" panose="020B0604020202020204" pitchFamily="34" charset="0"/>
-              <a:ea typeface="Arial" panose="020B0604020202020204" pitchFamily="34" charset="0"/>
+              <a:latin typeface="Arial" pitchFamily="34" charset="0"/>
+              <a:ea typeface="Arial" pitchFamily="34" charset="0"/>
             </a:endParaRPr>
           </a:p>
         </p:txBody>
@@ -15690,8 +14624,8 @@
                     <a:lumMod val="75000"/>
                   </a:schemeClr>
                 </a:solidFill>
-                <a:latin typeface="Arial" panose="020B0604020202020204" pitchFamily="34" charset="0"/>
-                <a:ea typeface="Arial" panose="020B0604020202020204" pitchFamily="34" charset="0"/>
+                <a:latin typeface="Arial" pitchFamily="34" charset="0"/>
+                <a:ea typeface="Arial" pitchFamily="34" charset="0"/>
                 <a:sym typeface="+mn-ea"/>
                 <a:hlinkClick r:id="rId5" action="ppaction://hlinksldjump"/>
               </a:rPr>
@@ -15703,8 +14637,8 @@
                   <a:lumMod val="75000"/>
                 </a:schemeClr>
               </a:solidFill>
-              <a:latin typeface="Arial" panose="020B0604020202020204" pitchFamily="34" charset="0"/>
-              <a:ea typeface="Arial" panose="020B0604020202020204" pitchFamily="34" charset="0"/>
+              <a:latin typeface="Arial" pitchFamily="34" charset="0"/>
+              <a:ea typeface="Arial" pitchFamily="34" charset="0"/>
               <a:sym typeface="+mn-ea"/>
               <a:hlinkClick r:id="rId5" action="ppaction://hlinksldjump"/>
             </a:endParaRPr>
@@ -15740,8 +14674,8 @@
                     <a:lumMod val="75000"/>
                   </a:schemeClr>
                 </a:solidFill>
-                <a:latin typeface="Arial" panose="020B0604020202020204" pitchFamily="34" charset="0"/>
-                <a:ea typeface="Arial" panose="020B0604020202020204" pitchFamily="34" charset="0"/>
+                <a:latin typeface="Arial" pitchFamily="34" charset="0"/>
+                <a:ea typeface="Arial" pitchFamily="34" charset="0"/>
                 <a:hlinkClick r:id="rId6" action="ppaction://hlinksldjump"/>
               </a:rPr>
               <a:t>Search for blocks</a:t>
@@ -15752,8 +14686,8 @@
                   <a:lumMod val="75000"/>
                 </a:schemeClr>
               </a:solidFill>
-              <a:latin typeface="Arial" panose="020B0604020202020204" pitchFamily="34" charset="0"/>
-              <a:ea typeface="Arial" panose="020B0604020202020204" pitchFamily="34" charset="0"/>
+              <a:latin typeface="Arial" pitchFamily="34" charset="0"/>
+              <a:ea typeface="Arial" pitchFamily="34" charset="0"/>
             </a:endParaRPr>
           </a:p>
         </p:txBody>
@@ -15787,8 +14721,8 @@
                     <a:lumMod val="75000"/>
                   </a:schemeClr>
                 </a:solidFill>
-                <a:latin typeface="Arial" panose="020B0604020202020204" pitchFamily="34" charset="0"/>
-                <a:ea typeface="Arial" panose="020B0604020202020204" pitchFamily="34" charset="0"/>
+                <a:latin typeface="Arial" pitchFamily="34" charset="0"/>
+                <a:ea typeface="Arial" pitchFamily="34" charset="0"/>
                 <a:hlinkClick r:id="rId7" action="ppaction://hlinksldjump"/>
               </a:rPr>
               <a:t>Combin</a:t>
@@ -15800,8 +14734,8 @@
                     <a:lumMod val="75000"/>
                   </a:schemeClr>
                 </a:solidFill>
-                <a:latin typeface="Arial" panose="020B0604020202020204" pitchFamily="34" charset="0"/>
-                <a:ea typeface="Arial" panose="020B0604020202020204" pitchFamily="34" charset="0"/>
+                <a:latin typeface="Arial" pitchFamily="34" charset="0"/>
+                <a:ea typeface="Arial" pitchFamily="34" charset="0"/>
                 <a:hlinkClick r:id="rId7" action="ppaction://hlinksldjump"/>
               </a:rPr>
               <a:t>e</a:t>
@@ -15813,8 +14747,8 @@
                     <a:lumMod val="75000"/>
                   </a:schemeClr>
                 </a:solidFill>
-                <a:latin typeface="Arial" panose="020B0604020202020204" pitchFamily="34" charset="0"/>
-                <a:ea typeface="Arial" panose="020B0604020202020204" pitchFamily="34" charset="0"/>
+                <a:latin typeface="Arial" pitchFamily="34" charset="0"/>
+                <a:ea typeface="Arial" pitchFamily="34" charset="0"/>
                 <a:hlinkClick r:id="rId7" action="ppaction://hlinksldjump"/>
               </a:rPr>
               <a:t> blocks</a:t>
@@ -15825,8 +14759,8 @@
                   <a:lumMod val="75000"/>
                 </a:schemeClr>
               </a:solidFill>
-              <a:latin typeface="Arial" panose="020B0604020202020204" pitchFamily="34" charset="0"/>
-              <a:ea typeface="Arial" panose="020B0604020202020204" pitchFamily="34" charset="0"/>
+              <a:latin typeface="Arial" pitchFamily="34" charset="0"/>
+              <a:ea typeface="Arial" pitchFamily="34" charset="0"/>
             </a:endParaRPr>
           </a:p>
         </p:txBody>
@@ -15859,14 +14793,14 @@
           <a:p>
             <a:r>
               <a:rPr lang="en-US" altLang="zh-CN" dirty="0" smtClean="0">
-                <a:latin typeface="Arial" panose="020B0604020202020204" pitchFamily="34" charset="0"/>
-                <a:ea typeface="Arial" panose="020B0604020202020204" pitchFamily="34" charset="0"/>
+                <a:latin typeface="Arial" pitchFamily="34" charset="0"/>
+                <a:ea typeface="Arial" pitchFamily="34" charset="0"/>
               </a:rPr>
               <a:t>Part 4</a:t>
             </a:r>
             <a:endParaRPr lang="zh-CN" altLang="en-US" dirty="0">
-              <a:latin typeface="Arial" panose="020B0604020202020204" pitchFamily="34" charset="0"/>
-              <a:ea typeface="Arial" panose="020B0604020202020204" pitchFamily="34" charset="0"/>
+              <a:latin typeface="Arial" pitchFamily="34" charset="0"/>
+              <a:ea typeface="Arial" pitchFamily="34" charset="0"/>
             </a:endParaRPr>
           </a:p>
         </p:txBody>
@@ -15899,14 +14833,14 @@
           <a:p>
             <a:r>
               <a:rPr lang="en-US" altLang="zh-CN" dirty="0" smtClean="0">
-                <a:latin typeface="Arial" panose="020B0604020202020204" pitchFamily="34" charset="0"/>
-                <a:ea typeface="Arial" panose="020B0604020202020204" pitchFamily="34" charset="0"/>
+                <a:latin typeface="Arial" pitchFamily="34" charset="0"/>
+                <a:ea typeface="Arial" pitchFamily="34" charset="0"/>
               </a:rPr>
               <a:t>Part1</a:t>
             </a:r>
             <a:endParaRPr lang="en-US" altLang="zh-CN" dirty="0" smtClean="0">
-              <a:latin typeface="Arial" panose="020B0604020202020204" pitchFamily="34" charset="0"/>
-              <a:ea typeface="Arial" panose="020B0604020202020204" pitchFamily="34" charset="0"/>
+              <a:latin typeface="Arial" pitchFamily="34" charset="0"/>
+              <a:ea typeface="Arial" pitchFamily="34" charset="0"/>
             </a:endParaRPr>
           </a:p>
         </p:txBody>
@@ -15939,14 +14873,14 @@
           <a:p>
             <a:r>
               <a:rPr lang="en-US" altLang="zh-CN" dirty="0" smtClean="0">
-                <a:latin typeface="Arial" panose="020B0604020202020204" pitchFamily="34" charset="0"/>
-                <a:ea typeface="Arial" panose="020B0604020202020204" pitchFamily="34" charset="0"/>
+                <a:latin typeface="Arial" pitchFamily="34" charset="0"/>
+                <a:ea typeface="Arial" pitchFamily="34" charset="0"/>
               </a:rPr>
               <a:t>Part 2</a:t>
             </a:r>
             <a:endParaRPr lang="zh-CN" altLang="en-US" dirty="0">
-              <a:latin typeface="Arial" panose="020B0604020202020204" pitchFamily="34" charset="0"/>
-              <a:ea typeface="Arial" panose="020B0604020202020204" pitchFamily="34" charset="0"/>
+              <a:latin typeface="Arial" pitchFamily="34" charset="0"/>
+              <a:ea typeface="Arial" pitchFamily="34" charset="0"/>
             </a:endParaRPr>
           </a:p>
         </p:txBody>
@@ -15979,14 +14913,14 @@
           <a:p>
             <a:r>
               <a:rPr lang="en-US" altLang="zh-CN" dirty="0" smtClean="0">
-                <a:latin typeface="Arial" panose="020B0604020202020204" pitchFamily="34" charset="0"/>
-                <a:ea typeface="Arial" panose="020B0604020202020204" pitchFamily="34" charset="0"/>
+                <a:latin typeface="Arial" pitchFamily="34" charset="0"/>
+                <a:ea typeface="Arial" pitchFamily="34" charset="0"/>
               </a:rPr>
               <a:t>Part3</a:t>
             </a:r>
             <a:endParaRPr lang="zh-CN" altLang="en-US" dirty="0">
-              <a:latin typeface="Arial" panose="020B0604020202020204" pitchFamily="34" charset="0"/>
-              <a:ea typeface="Arial" panose="020B0604020202020204" pitchFamily="34" charset="0"/>
+              <a:latin typeface="Arial" pitchFamily="34" charset="0"/>
+              <a:ea typeface="Arial" pitchFamily="34" charset="0"/>
             </a:endParaRPr>
           </a:p>
         </p:txBody>
@@ -16386,8 +15320,8 @@
                 <a:solidFill>
                   <a:schemeClr val="bg1"/>
                 </a:solidFill>
-                <a:latin typeface="微软雅黑" panose="020B0503020204020204" charset="-122"/>
-                <a:ea typeface="微软雅黑" panose="020B0503020204020204" charset="-122"/>
+                <a:latin typeface="微软雅黑" charset="-122"/>
+                <a:ea typeface="微软雅黑" charset="-122"/>
                 <a:sym typeface="+mn-ea"/>
               </a:rPr>
               <a:t> Yahboom</a:t>
@@ -16397,8 +15331,8 @@
                 <a:solidFill>
                   <a:schemeClr val="bg1"/>
                 </a:solidFill>
-                <a:latin typeface="微软雅黑" panose="020B0503020204020204" charset="-122"/>
-                <a:ea typeface="微软雅黑" panose="020B0503020204020204" charset="-122"/>
+                <a:latin typeface="微软雅黑" charset="-122"/>
+                <a:ea typeface="微软雅黑" charset="-122"/>
                 <a:sym typeface="+mn-ea"/>
               </a:rPr>
               <a:t>     </a:t>
@@ -16408,8 +15342,8 @@
                 <a:solidFill>
                   <a:schemeClr val="bg1"/>
                 </a:solidFill>
-                <a:latin typeface="微软雅黑" panose="020B0503020204020204" charset="-122"/>
-                <a:ea typeface="微软雅黑" panose="020B0503020204020204" charset="-122"/>
+                <a:latin typeface="微软雅黑" charset="-122"/>
+                <a:ea typeface="微软雅黑" charset="-122"/>
                 <a:sym typeface="+mn-ea"/>
               </a:rPr>
               <a:t>micro:bit t</a:t>
@@ -16419,8 +15353,8 @@
                 <a:solidFill>
                   <a:schemeClr val="bg1"/>
                 </a:solidFill>
-                <a:latin typeface="微软雅黑" panose="020B0503020204020204" charset="-122"/>
-                <a:ea typeface="微软雅黑" panose="020B0503020204020204" charset="-122"/>
+                <a:latin typeface="微软雅黑" charset="-122"/>
+                <a:ea typeface="微软雅黑" charset="-122"/>
                 <a:sym typeface="+mn-ea"/>
               </a:rPr>
               <a:t>utorial</a:t>
@@ -16429,8 +15363,8 @@
               <a:solidFill>
                 <a:schemeClr val="bg1"/>
               </a:solidFill>
-              <a:latin typeface="微软雅黑" panose="020B0503020204020204" charset="-122"/>
-              <a:ea typeface="微软雅黑" panose="020B0503020204020204" charset="-122"/>
+              <a:latin typeface="微软雅黑" charset="-122"/>
+              <a:ea typeface="微软雅黑" charset="-122"/>
               <a:sym typeface="+mn-ea"/>
             </a:endParaRPr>
           </a:p>
@@ -17069,54 +16003,6 @@
           </a:p>
         </p:txBody>
       </p:sp>
-      <p:pic>
-        <p:nvPicPr>
-          <p:cNvPr id="6" name="图片 5"/>
-          <p:cNvPicPr>
-            <a:picLocks noChangeAspect="1"/>
-          </p:cNvPicPr>
-          <p:nvPr/>
-        </p:nvPicPr>
-        <p:blipFill>
-          <a:blip r:embed="rId3" cstate="print"/>
-          <a:stretch>
-            <a:fillRect/>
-          </a:stretch>
-        </p:blipFill>
-        <p:spPr>
-          <a:xfrm rot="16200000">
-            <a:off x="3287395" y="1437640"/>
-            <a:ext cx="1981200" cy="2726055"/>
-          </a:xfrm>
-          <a:prstGeom prst="rect">
-            <a:avLst/>
-          </a:prstGeom>
-        </p:spPr>
-      </p:pic>
-      <p:pic>
-        <p:nvPicPr>
-          <p:cNvPr id="8" name="图片 7"/>
-          <p:cNvPicPr>
-            <a:picLocks noChangeAspect="1"/>
-          </p:cNvPicPr>
-          <p:nvPr/>
-        </p:nvPicPr>
-        <p:blipFill>
-          <a:blip r:embed="rId4" cstate="print"/>
-          <a:stretch>
-            <a:fillRect/>
-          </a:stretch>
-        </p:blipFill>
-        <p:spPr>
-          <a:xfrm rot="16200000">
-            <a:off x="6421120" y="1475105"/>
-            <a:ext cx="2010410" cy="2680970"/>
-          </a:xfrm>
-          <a:prstGeom prst="rect">
-            <a:avLst/>
-          </a:prstGeom>
-        </p:spPr>
-      </p:pic>
       <p:sp>
         <p:nvSpPr>
           <p:cNvPr id="16" name="标题 15"/>
@@ -17142,7 +16028,7 @@
                   <a:schemeClr val="accent2"/>
                 </a:solidFill>
                 <a:latin typeface="+mn-lt"/>
-                <a:ea typeface="微软雅黑" panose="020B0503020204020204" charset="-122"/>
+                <a:ea typeface="微软雅黑" charset="-122"/>
                 <a:cs typeface="+mn-lt"/>
               </a:rPr>
               <a:t>micro:bit p</a:t>
@@ -17153,7 +16039,7 @@
                   <a:schemeClr val="accent2"/>
                 </a:solidFill>
                 <a:latin typeface="+mn-lt"/>
-                <a:ea typeface="微软雅黑" panose="020B0503020204020204" charset="-122"/>
+                <a:ea typeface="微软雅黑" charset="-122"/>
                 <a:cs typeface="+mn-lt"/>
               </a:rPr>
               <a:t>rogramming tutorial</a:t>
@@ -17163,7 +16049,7 @@
                 <a:schemeClr val="accent2"/>
               </a:solidFill>
               <a:latin typeface="+mn-lt"/>
-              <a:ea typeface="微软雅黑" panose="020B0503020204020204" charset="-122"/>
+              <a:ea typeface="微软雅黑" charset="-122"/>
               <a:cs typeface="+mn-lt"/>
             </a:endParaRPr>
           </a:p>
@@ -17564,8 +16450,8 @@
                 <a:solidFill>
                   <a:schemeClr val="bg1"/>
                 </a:solidFill>
-                <a:latin typeface="微软雅黑" panose="020B0503020204020204" charset="-122"/>
-                <a:ea typeface="微软雅黑" panose="020B0503020204020204" charset="-122"/>
+                <a:latin typeface="微软雅黑" charset="-122"/>
+                <a:ea typeface="微软雅黑" charset="-122"/>
                 <a:sym typeface="+mn-ea"/>
               </a:rPr>
               <a:t> Yahboom</a:t>
@@ -17575,8 +16461,8 @@
                 <a:solidFill>
                   <a:schemeClr val="bg1"/>
                 </a:solidFill>
-                <a:latin typeface="微软雅黑" panose="020B0503020204020204" charset="-122"/>
-                <a:ea typeface="微软雅黑" panose="020B0503020204020204" charset="-122"/>
+                <a:latin typeface="微软雅黑" charset="-122"/>
+                <a:ea typeface="微软雅黑" charset="-122"/>
                 <a:sym typeface="+mn-ea"/>
               </a:rPr>
               <a:t>     </a:t>
@@ -17586,8 +16472,8 @@
                 <a:solidFill>
                   <a:schemeClr val="bg1"/>
                 </a:solidFill>
-                <a:latin typeface="微软雅黑" panose="020B0503020204020204" charset="-122"/>
-                <a:ea typeface="微软雅黑" panose="020B0503020204020204" charset="-122"/>
+                <a:latin typeface="微软雅黑" charset="-122"/>
+                <a:ea typeface="微软雅黑" charset="-122"/>
                 <a:sym typeface="+mn-ea"/>
               </a:rPr>
               <a:t>micro:bit t</a:t>
@@ -17597,8 +16483,8 @@
                 <a:solidFill>
                   <a:schemeClr val="bg1"/>
                 </a:solidFill>
-                <a:latin typeface="微软雅黑" panose="020B0503020204020204" charset="-122"/>
-                <a:ea typeface="微软雅黑" panose="020B0503020204020204" charset="-122"/>
+                <a:latin typeface="微软雅黑" charset="-122"/>
+                <a:ea typeface="微软雅黑" charset="-122"/>
                 <a:sym typeface="+mn-ea"/>
               </a:rPr>
               <a:t>utorial</a:t>
@@ -17607,13 +16493,61 @@
               <a:solidFill>
                 <a:schemeClr val="bg1"/>
               </a:solidFill>
-              <a:latin typeface="微软雅黑" panose="020B0503020204020204" charset="-122"/>
-              <a:ea typeface="微软雅黑" panose="020B0503020204020204" charset="-122"/>
+              <a:latin typeface="微软雅黑" charset="-122"/>
+              <a:ea typeface="微软雅黑" charset="-122"/>
               <a:sym typeface="+mn-ea"/>
             </a:endParaRPr>
           </a:p>
         </p:txBody>
       </p:sp>
+      <p:pic>
+        <p:nvPicPr>
+          <p:cNvPr id="9" name="图片 8"/>
+          <p:cNvPicPr>
+            <a:picLocks noChangeAspect="1"/>
+          </p:cNvPicPr>
+          <p:nvPr/>
+        </p:nvPicPr>
+        <p:blipFill>
+          <a:blip r:embed="rId3"/>
+          <a:stretch>
+            <a:fillRect/>
+          </a:stretch>
+        </p:blipFill>
+        <p:spPr>
+          <a:xfrm>
+            <a:off x="2536825" y="1870075"/>
+            <a:ext cx="3504565" cy="1997710"/>
+          </a:xfrm>
+          <a:prstGeom prst="rect">
+            <a:avLst/>
+          </a:prstGeom>
+        </p:spPr>
+      </p:pic>
+      <p:pic>
+        <p:nvPicPr>
+          <p:cNvPr id="10" name="图片 9"/>
+          <p:cNvPicPr>
+            <a:picLocks noChangeAspect="1"/>
+          </p:cNvPicPr>
+          <p:nvPr/>
+        </p:nvPicPr>
+        <p:blipFill>
+          <a:blip r:embed="rId4"/>
+          <a:stretch>
+            <a:fillRect/>
+          </a:stretch>
+        </p:blipFill>
+        <p:spPr>
+          <a:xfrm>
+            <a:off x="6144895" y="1849120"/>
+            <a:ext cx="3257550" cy="2024380"/>
+          </a:xfrm>
+          <a:prstGeom prst="rect">
+            <a:avLst/>
+          </a:prstGeom>
+        </p:spPr>
+      </p:pic>
     </p:spTree>
   </p:cSld>
   <p:clrMapOvr>
@@ -18209,8 +17143,8 @@
                     </a:srgbClr>
                   </a:outerShdw>
                 </a:effectLst>
-                <a:latin typeface="Arial" panose="020B0604020202020204" pitchFamily="34" charset="0"/>
-                <a:ea typeface="Arial" panose="020B0604020202020204" pitchFamily="34" charset="0"/>
+                <a:latin typeface="Arial" pitchFamily="34" charset="0"/>
+                <a:ea typeface="Arial" pitchFamily="34" charset="0"/>
                 <a:sym typeface="+mn-ea"/>
               </a:rPr>
               <a:t>Hardware</a:t>
@@ -18272,8 +17206,8 @@
                     </a:srgbClr>
                   </a:outerShdw>
                 </a:effectLst>
-                <a:latin typeface="Arial" panose="020B0604020202020204" pitchFamily="34" charset="0"/>
-                <a:ea typeface="Arial" panose="020B0604020202020204" pitchFamily="34" charset="0"/>
+                <a:latin typeface="Arial" pitchFamily="34" charset="0"/>
+                <a:ea typeface="Arial" pitchFamily="34" charset="0"/>
               </a:rPr>
               <a:t>● </a:t>
             </a:r>
@@ -18289,8 +17223,8 @@
                     </a:srgbClr>
                   </a:outerShdw>
                 </a:effectLst>
-                <a:latin typeface="Arial" panose="020B0604020202020204" pitchFamily="34" charset="0"/>
-                <a:ea typeface="Arial" panose="020B0604020202020204" pitchFamily="34" charset="0"/>
+                <a:latin typeface="Arial" pitchFamily="34" charset="0"/>
+                <a:ea typeface="Arial" pitchFamily="34" charset="0"/>
                 <a:sym typeface="+mn-ea"/>
               </a:rPr>
               <a:t>1 X micro:bit Game Handle</a:t>
@@ -18306,8 +17240,8 @@
                   </a:srgbClr>
                 </a:outerShdw>
               </a:effectLst>
-              <a:latin typeface="Arial" panose="020B0604020202020204" pitchFamily="34" charset="0"/>
-              <a:ea typeface="Arial" panose="020B0604020202020204" pitchFamily="34" charset="0"/>
+              <a:latin typeface="Arial" pitchFamily="34" charset="0"/>
+              <a:ea typeface="Arial" pitchFamily="34" charset="0"/>
             </a:endParaRPr>
           </a:p>
           <a:p>
@@ -18323,8 +17257,8 @@
                     </a:srgbClr>
                   </a:outerShdw>
                 </a:effectLst>
-                <a:latin typeface="Arial" panose="020B0604020202020204" pitchFamily="34" charset="0"/>
-                <a:ea typeface="Arial" panose="020B0604020202020204" pitchFamily="34" charset="0"/>
+                <a:latin typeface="Arial" pitchFamily="34" charset="0"/>
+                <a:ea typeface="Arial" pitchFamily="34" charset="0"/>
                 <a:sym typeface="+mn-ea"/>
               </a:rPr>
               <a:t>● 1 X Micro USB Cable</a:t>
@@ -18335,9 +17269,9 @@
                   <a:lumMod val="75000"/>
                 </a:schemeClr>
               </a:solidFill>
-              <a:latin typeface="宋体" panose="02010600030101010101" pitchFamily="2" charset="-122"/>
-              <a:ea typeface="宋体" panose="02010600030101010101" pitchFamily="2" charset="-122"/>
-              <a:cs typeface="宋体" panose="02010600030101010101" pitchFamily="2" charset="-122"/>
+              <a:latin typeface="宋体" pitchFamily="2" charset="-122"/>
+              <a:ea typeface="宋体" pitchFamily="2" charset="-122"/>
+              <a:cs typeface="宋体" pitchFamily="2" charset="-122"/>
             </a:endParaRPr>
           </a:p>
           <a:p>
@@ -18347,8 +17281,8 @@
                   <a:lumMod val="75000"/>
                 </a:schemeClr>
               </a:solidFill>
-              <a:latin typeface="宋体" panose="02010600030101010101" pitchFamily="2" charset="-122"/>
-              <a:ea typeface="宋体" panose="02010600030101010101" pitchFamily="2" charset="-122"/>
+              <a:latin typeface="宋体" pitchFamily="2" charset="-122"/>
+              <a:ea typeface="宋体" pitchFamily="2" charset="-122"/>
             </a:endParaRPr>
           </a:p>
         </p:txBody>
@@ -18378,7 +17312,7 @@
                   <a:schemeClr val="accent2"/>
                 </a:solidFill>
                 <a:latin typeface="+mn-lt"/>
-                <a:ea typeface="微软雅黑" panose="020B0503020204020204" charset="-122"/>
+                <a:ea typeface="微软雅黑" charset="-122"/>
                 <a:cs typeface="+mn-lt"/>
               </a:rPr>
               <a:t>micro:bit p</a:t>
@@ -18389,7 +17323,7 @@
                   <a:schemeClr val="accent2"/>
                 </a:solidFill>
                 <a:latin typeface="+mn-lt"/>
-                <a:ea typeface="微软雅黑" panose="020B0503020204020204" charset="-122"/>
+                <a:ea typeface="微软雅黑" charset="-122"/>
                 <a:cs typeface="+mn-lt"/>
               </a:rPr>
               <a:t>rogramming tutorial</a:t>
@@ -18399,7 +17333,7 @@
                 <a:schemeClr val="accent2"/>
               </a:solidFill>
               <a:latin typeface="+mn-lt"/>
-              <a:ea typeface="微软雅黑" panose="020B0503020204020204" charset="-122"/>
+              <a:ea typeface="微软雅黑" charset="-122"/>
               <a:cs typeface="+mn-lt"/>
             </a:endParaRPr>
           </a:p>
@@ -18800,8 +17734,8 @@
                 <a:solidFill>
                   <a:schemeClr val="bg1"/>
                 </a:solidFill>
-                <a:latin typeface="微软雅黑" panose="020B0503020204020204" charset="-122"/>
-                <a:ea typeface="微软雅黑" panose="020B0503020204020204" charset="-122"/>
+                <a:latin typeface="微软雅黑" charset="-122"/>
+                <a:ea typeface="微软雅黑" charset="-122"/>
                 <a:sym typeface="+mn-ea"/>
               </a:rPr>
               <a:t> Yahboom</a:t>
@@ -18811,8 +17745,8 @@
                 <a:solidFill>
                   <a:schemeClr val="bg1"/>
                 </a:solidFill>
-                <a:latin typeface="微软雅黑" panose="020B0503020204020204" charset="-122"/>
-                <a:ea typeface="微软雅黑" panose="020B0503020204020204" charset="-122"/>
+                <a:latin typeface="微软雅黑" charset="-122"/>
+                <a:ea typeface="微软雅黑" charset="-122"/>
                 <a:sym typeface="+mn-ea"/>
               </a:rPr>
               <a:t>     </a:t>
@@ -18822,8 +17756,8 @@
                 <a:solidFill>
                   <a:schemeClr val="bg1"/>
                 </a:solidFill>
-                <a:latin typeface="微软雅黑" panose="020B0503020204020204" charset="-122"/>
-                <a:ea typeface="微软雅黑" panose="020B0503020204020204" charset="-122"/>
+                <a:latin typeface="微软雅黑" charset="-122"/>
+                <a:ea typeface="微软雅黑" charset="-122"/>
                 <a:sym typeface="+mn-ea"/>
               </a:rPr>
               <a:t>micro:bit t</a:t>
@@ -18833,8 +17767,8 @@
                 <a:solidFill>
                   <a:schemeClr val="bg1"/>
                 </a:solidFill>
-                <a:latin typeface="微软雅黑" panose="020B0503020204020204" charset="-122"/>
-                <a:ea typeface="微软雅黑" panose="020B0503020204020204" charset="-122"/>
+                <a:latin typeface="微软雅黑" charset="-122"/>
+                <a:ea typeface="微软雅黑" charset="-122"/>
                 <a:sym typeface="+mn-ea"/>
               </a:rPr>
               <a:t>utorial</a:t>
@@ -18843,8 +17777,8 @@
               <a:solidFill>
                 <a:schemeClr val="bg1"/>
               </a:solidFill>
-              <a:latin typeface="微软雅黑" panose="020B0503020204020204" charset="-122"/>
-              <a:ea typeface="微软雅黑" panose="020B0503020204020204" charset="-122"/>
+              <a:latin typeface="微软雅黑" charset="-122"/>
+              <a:ea typeface="微软雅黑" charset="-122"/>
               <a:sym typeface="+mn-ea"/>
             </a:endParaRPr>
           </a:p>
@@ -19437,7 +18371,7 @@
                 <a:solidFill>
                   <a:srgbClr val="FF0000"/>
                 </a:solidFill>
-                <a:ea typeface="宋体" panose="02010600030101010101" pitchFamily="2" charset="-122"/>
+                <a:ea typeface="宋体" pitchFamily="2" charset="-122"/>
                 <a:cs typeface="+mn-lt"/>
               </a:rPr>
               <a:t>1.Online:</a:t>
@@ -19447,7 +18381,7 @@
                 <a:solidFill>
                   <a:srgbClr val="FF0000"/>
                 </a:solidFill>
-                <a:ea typeface="宋体" panose="02010600030101010101" pitchFamily="2" charset="-122"/>
+                <a:ea typeface="宋体" pitchFamily="2" charset="-122"/>
                 <a:cs typeface="+mn-lt"/>
                 <a:sym typeface="+mn-ea"/>
               </a:rPr>
@@ -19455,20 +18389,20 @@
             </a:r>
             <a:r>
               <a:rPr sz="3200" baseline="-25000" dirty="0">
-                <a:ea typeface="宋体" panose="02010600030101010101" pitchFamily="2" charset="-122"/>
+                <a:ea typeface="宋体" pitchFamily="2" charset="-122"/>
                 <a:sym typeface="+mn-ea"/>
               </a:rPr>
               <a:t>Connect Micro:bit to the computer via USB cable</a:t>
             </a:r>
             <a:r>
               <a:rPr sz="3200" baseline="-25000" dirty="0">
-                <a:ea typeface="宋体" panose="02010600030101010101" pitchFamily="2" charset="-122"/>
+                <a:ea typeface="宋体" pitchFamily="2" charset="-122"/>
               </a:rPr>
               <a:t>, and the computer will pop up a U disk and click the URL in the U disk to enter the programming interface.</a:t>
             </a:r>
             <a:r>
               <a:rPr sz="3200" baseline="-25000" dirty="0">
-                <a:ea typeface="宋体" panose="02010600030101010101" pitchFamily="2" charset="-122"/>
+                <a:ea typeface="宋体" pitchFamily="2" charset="-122"/>
                 <a:sym typeface="+mn-ea"/>
               </a:rPr>
               <a:t>Enter this URL </a:t>
@@ -19478,27 +18412,27 @@
                 <a:solidFill>
                   <a:srgbClr val="FF0000"/>
                 </a:solidFill>
-                <a:ea typeface="宋体" panose="02010600030101010101" pitchFamily="2" charset="-122"/>
+                <a:ea typeface="宋体" pitchFamily="2" charset="-122"/>
                 <a:sym typeface="+mn-ea"/>
               </a:rPr>
               <a:t>https://github.com/lzty634158/GHBit</a:t>
             </a:r>
             <a:r>
               <a:rPr sz="3200" baseline="-25000" dirty="0">
-                <a:ea typeface="宋体" panose="02010600030101010101" pitchFamily="2" charset="-122"/>
+                <a:ea typeface="宋体" pitchFamily="2" charset="-122"/>
                 <a:sym typeface="+mn-ea"/>
               </a:rPr>
               <a:t> to get the package named GHBit</a:t>
             </a:r>
             <a:r>
               <a:rPr lang="en-US" sz="3200" baseline="-25000" dirty="0">
-                <a:ea typeface="宋体" panose="02010600030101010101" pitchFamily="2" charset="-122"/>
+                <a:ea typeface="宋体" pitchFamily="2" charset="-122"/>
                 <a:sym typeface="+mn-ea"/>
               </a:rPr>
               <a:t>.</a:t>
             </a:r>
             <a:endParaRPr lang="en-US" sz="3200" baseline="-25000" dirty="0">
-              <a:ea typeface="宋体" panose="02010600030101010101" pitchFamily="2" charset="-122"/>
+              <a:ea typeface="宋体" pitchFamily="2" charset="-122"/>
             </a:endParaRPr>
           </a:p>
           <a:p>
@@ -19507,8 +18441,8 @@
               <a:solidFill>
                 <a:schemeClr val="tx1"/>
               </a:solidFill>
-              <a:latin typeface="宋体" panose="02010600030101010101" pitchFamily="2" charset="-122"/>
-              <a:ea typeface="宋体" panose="02010600030101010101" pitchFamily="2" charset="-122"/>
+              <a:latin typeface="宋体" pitchFamily="2" charset="-122"/>
+              <a:ea typeface="宋体" pitchFamily="2" charset="-122"/>
             </a:endParaRPr>
           </a:p>
           <a:p>
@@ -19517,7 +18451,7 @@
                 <a:solidFill>
                   <a:srgbClr val="FF0000"/>
                 </a:solidFill>
-                <a:ea typeface="宋体" panose="02010600030101010101" pitchFamily="2" charset="-122"/>
+                <a:ea typeface="宋体" pitchFamily="2" charset="-122"/>
                 <a:cs typeface="+mn-lt"/>
               </a:rPr>
               <a:t>2.offline：</a:t>
@@ -19527,14 +18461,14 @@
                 <a:solidFill>
                   <a:schemeClr val="tx1"/>
                 </a:solidFill>
-                <a:ea typeface="宋体" panose="02010600030101010101" pitchFamily="2" charset="-122"/>
+                <a:ea typeface="宋体" pitchFamily="2" charset="-122"/>
                 <a:cs typeface="+mn-lt"/>
               </a:rPr>
               <a:t>Open micro:bit offline programming software and add GHBit package.Click on "Advanced" and select "Add Package".</a:t>
             </a:r>
             <a:r>
               <a:rPr sz="3200" baseline="-25000" dirty="0">
-                <a:ea typeface="宋体" panose="02010600030101010101" pitchFamily="2" charset="-122"/>
+                <a:ea typeface="宋体" pitchFamily="2" charset="-122"/>
               </a:rPr>
               <a:t>Enter this URL </a:t>
             </a:r>
@@ -19543,41 +18477,41 @@
                 <a:solidFill>
                   <a:srgbClr val="FF0000"/>
                 </a:solidFill>
-                <a:ea typeface="宋体" panose="02010600030101010101" pitchFamily="2" charset="-122"/>
+                <a:ea typeface="宋体" pitchFamily="2" charset="-122"/>
               </a:rPr>
               <a:t>https://github.com/lzty634158/GHBit</a:t>
             </a:r>
             <a:r>
               <a:rPr sz="3200" baseline="-25000" dirty="0">
-                <a:ea typeface="宋体" panose="02010600030101010101" pitchFamily="2" charset="-122"/>
+                <a:ea typeface="宋体" pitchFamily="2" charset="-122"/>
               </a:rPr>
               <a:t> to get the package named GHBit</a:t>
             </a:r>
             <a:r>
               <a:rPr lang="en-US" sz="3200" baseline="-25000" dirty="0">
-                <a:ea typeface="宋体" panose="02010600030101010101" pitchFamily="2" charset="-122"/>
+                <a:ea typeface="宋体" pitchFamily="2" charset="-122"/>
               </a:rPr>
               <a:t>.</a:t>
             </a:r>
             <a:endParaRPr lang="en-US" sz="3200" baseline="-25000" dirty="0">
-              <a:ea typeface="宋体" panose="02010600030101010101" pitchFamily="2" charset="-122"/>
+              <a:ea typeface="宋体" pitchFamily="2" charset="-122"/>
             </a:endParaRPr>
           </a:p>
           <a:p>
             <a:endParaRPr lang="en-US" sz="3200" baseline="-25000" dirty="0">
-              <a:ea typeface="宋体" panose="02010600030101010101" pitchFamily="2" charset="-122"/>
+              <a:ea typeface="宋体" pitchFamily="2" charset="-122"/>
             </a:endParaRPr>
           </a:p>
           <a:p>
             <a:r>
               <a:rPr lang="en-US" sz="3200" baseline="-25000" dirty="0">
-                <a:ea typeface="宋体" panose="02010600030101010101" pitchFamily="2" charset="-122"/>
+                <a:ea typeface="宋体" pitchFamily="2" charset="-122"/>
                 <a:sym typeface="+mn-ea"/>
               </a:rPr>
               <a:t>Note: If you already have a GHBit package, you don't need to add it repeatedly.</a:t>
             </a:r>
             <a:endParaRPr lang="en-US" sz="3200" baseline="-25000" dirty="0">
-              <a:ea typeface="宋体" panose="02010600030101010101" pitchFamily="2" charset="-122"/>
+              <a:ea typeface="宋体" pitchFamily="2" charset="-122"/>
             </a:endParaRPr>
           </a:p>
         </p:txBody>
@@ -19617,8 +18551,8 @@
                     </a:srgbClr>
                   </a:outerShdw>
                 </a:effectLst>
-                <a:latin typeface="Arial" panose="020B0604020202020204" pitchFamily="34" charset="0"/>
-                <a:ea typeface="Arial" panose="020B0604020202020204" pitchFamily="34" charset="0"/>
+                <a:latin typeface="Arial" pitchFamily="34" charset="0"/>
+                <a:ea typeface="Arial" pitchFamily="34" charset="0"/>
               </a:rPr>
               <a:t>Two programming methods</a:t>
             </a:r>
@@ -19635,8 +18569,8 @@
                   </a:srgbClr>
                 </a:outerShdw>
               </a:effectLst>
-              <a:latin typeface="Arial" panose="020B0604020202020204" pitchFamily="34" charset="0"/>
-              <a:ea typeface="Arial" panose="020B0604020202020204" pitchFamily="34" charset="0"/>
+              <a:latin typeface="Arial" pitchFamily="34" charset="0"/>
+              <a:ea typeface="Arial" pitchFamily="34" charset="0"/>
             </a:endParaRPr>
           </a:p>
         </p:txBody>
@@ -19666,7 +18600,7 @@
                   <a:schemeClr val="accent2"/>
                 </a:solidFill>
                 <a:latin typeface="+mn-lt"/>
-                <a:ea typeface="微软雅黑" panose="020B0503020204020204" charset="-122"/>
+                <a:ea typeface="微软雅黑" charset="-122"/>
                 <a:cs typeface="+mn-lt"/>
               </a:rPr>
               <a:t>micro:bit p</a:t>
@@ -19677,7 +18611,7 @@
                   <a:schemeClr val="accent2"/>
                 </a:solidFill>
                 <a:latin typeface="+mn-lt"/>
-                <a:ea typeface="微软雅黑" panose="020B0503020204020204" charset="-122"/>
+                <a:ea typeface="微软雅黑" charset="-122"/>
                 <a:cs typeface="+mn-lt"/>
               </a:rPr>
               <a:t>rogramming tutorial</a:t>
@@ -19687,7 +18621,7 @@
                 <a:schemeClr val="accent2"/>
               </a:solidFill>
               <a:latin typeface="+mn-lt"/>
-              <a:ea typeface="微软雅黑" panose="020B0503020204020204" charset="-122"/>
+              <a:ea typeface="微软雅黑" charset="-122"/>
               <a:cs typeface="+mn-lt"/>
             </a:endParaRPr>
           </a:p>
@@ -20088,8 +19022,8 @@
                 <a:solidFill>
                   <a:schemeClr val="bg1"/>
                 </a:solidFill>
-                <a:latin typeface="微软雅黑" panose="020B0503020204020204" charset="-122"/>
-                <a:ea typeface="微软雅黑" panose="020B0503020204020204" charset="-122"/>
+                <a:latin typeface="微软雅黑" charset="-122"/>
+                <a:ea typeface="微软雅黑" charset="-122"/>
                 <a:sym typeface="+mn-ea"/>
               </a:rPr>
               <a:t> Yahboom</a:t>
@@ -20099,8 +19033,8 @@
                 <a:solidFill>
                   <a:schemeClr val="bg1"/>
                 </a:solidFill>
-                <a:latin typeface="微软雅黑" panose="020B0503020204020204" charset="-122"/>
-                <a:ea typeface="微软雅黑" panose="020B0503020204020204" charset="-122"/>
+                <a:latin typeface="微软雅黑" charset="-122"/>
+                <a:ea typeface="微软雅黑" charset="-122"/>
                 <a:sym typeface="+mn-ea"/>
               </a:rPr>
               <a:t>     </a:t>
@@ -20110,8 +19044,8 @@
                 <a:solidFill>
                   <a:schemeClr val="bg1"/>
                 </a:solidFill>
-                <a:latin typeface="微软雅黑" panose="020B0503020204020204" charset="-122"/>
-                <a:ea typeface="微软雅黑" panose="020B0503020204020204" charset="-122"/>
+                <a:latin typeface="微软雅黑" charset="-122"/>
+                <a:ea typeface="微软雅黑" charset="-122"/>
                 <a:sym typeface="+mn-ea"/>
               </a:rPr>
               <a:t>micro:bit t</a:t>
@@ -20121,8 +19055,8 @@
                 <a:solidFill>
                   <a:schemeClr val="bg1"/>
                 </a:solidFill>
-                <a:latin typeface="微软雅黑" panose="020B0503020204020204" charset="-122"/>
-                <a:ea typeface="微软雅黑" panose="020B0503020204020204" charset="-122"/>
+                <a:latin typeface="微软雅黑" charset="-122"/>
+                <a:ea typeface="微软雅黑" charset="-122"/>
                 <a:sym typeface="+mn-ea"/>
               </a:rPr>
               <a:t>utorial</a:t>
@@ -20131,8 +19065,8 @@
               <a:solidFill>
                 <a:schemeClr val="bg1"/>
               </a:solidFill>
-              <a:latin typeface="微软雅黑" panose="020B0503020204020204" charset="-122"/>
-              <a:ea typeface="微软雅黑" panose="020B0503020204020204" charset="-122"/>
+              <a:latin typeface="微软雅黑" charset="-122"/>
+              <a:ea typeface="微软雅黑" charset="-122"/>
               <a:sym typeface="+mn-ea"/>
             </a:endParaRPr>
           </a:p>
@@ -20735,7 +19669,7 @@
                   <a:schemeClr val="accent2"/>
                 </a:solidFill>
                 <a:latin typeface="+mn-lt"/>
-                <a:ea typeface="微软雅黑" panose="020B0503020204020204" charset="-122"/>
+                <a:ea typeface="微软雅黑" charset="-122"/>
                 <a:cs typeface="+mn-lt"/>
               </a:rPr>
               <a:t>micro:bit p</a:t>
@@ -20746,7 +19680,7 @@
                   <a:schemeClr val="accent2"/>
                 </a:solidFill>
                 <a:latin typeface="+mn-lt"/>
-                <a:ea typeface="微软雅黑" panose="020B0503020204020204" charset="-122"/>
+                <a:ea typeface="微软雅黑" charset="-122"/>
                 <a:cs typeface="+mn-lt"/>
               </a:rPr>
               <a:t>rogramming tutorial</a:t>
@@ -20756,7 +19690,7 @@
                 <a:schemeClr val="accent2"/>
               </a:solidFill>
               <a:latin typeface="+mn-lt"/>
-              <a:ea typeface="微软雅黑" panose="020B0503020204020204" charset="-122"/>
+              <a:ea typeface="微软雅黑" charset="-122"/>
               <a:cs typeface="+mn-lt"/>
             </a:endParaRPr>
           </a:p>
@@ -21157,8 +20091,8 @@
                 <a:solidFill>
                   <a:schemeClr val="bg1"/>
                 </a:solidFill>
-                <a:latin typeface="微软雅黑" panose="020B0503020204020204" charset="-122"/>
-                <a:ea typeface="微软雅黑" panose="020B0503020204020204" charset="-122"/>
+                <a:latin typeface="微软雅黑" charset="-122"/>
+                <a:ea typeface="微软雅黑" charset="-122"/>
                 <a:sym typeface="+mn-ea"/>
               </a:rPr>
               <a:t> Yahboom</a:t>
@@ -21168,8 +20102,8 @@
                 <a:solidFill>
                   <a:schemeClr val="bg1"/>
                 </a:solidFill>
-                <a:latin typeface="微软雅黑" panose="020B0503020204020204" charset="-122"/>
-                <a:ea typeface="微软雅黑" panose="020B0503020204020204" charset="-122"/>
+                <a:latin typeface="微软雅黑" charset="-122"/>
+                <a:ea typeface="微软雅黑" charset="-122"/>
                 <a:sym typeface="+mn-ea"/>
               </a:rPr>
               <a:t>     </a:t>
@@ -21179,8 +20113,8 @@
                 <a:solidFill>
                   <a:schemeClr val="bg1"/>
                 </a:solidFill>
-                <a:latin typeface="微软雅黑" panose="020B0503020204020204" charset="-122"/>
-                <a:ea typeface="微软雅黑" panose="020B0503020204020204" charset="-122"/>
+                <a:latin typeface="微软雅黑" charset="-122"/>
+                <a:ea typeface="微软雅黑" charset="-122"/>
                 <a:sym typeface="+mn-ea"/>
               </a:rPr>
               <a:t>micro:bit t</a:t>
@@ -21190,8 +20124,8 @@
                 <a:solidFill>
                   <a:schemeClr val="bg1"/>
                 </a:solidFill>
-                <a:latin typeface="微软雅黑" panose="020B0503020204020204" charset="-122"/>
-                <a:ea typeface="微软雅黑" panose="020B0503020204020204" charset="-122"/>
+                <a:latin typeface="微软雅黑" charset="-122"/>
+                <a:ea typeface="微软雅黑" charset="-122"/>
                 <a:sym typeface="+mn-ea"/>
               </a:rPr>
               <a:t>utorial</a:t>
@@ -21200,8 +20134,8 @@
               <a:solidFill>
                 <a:schemeClr val="bg1"/>
               </a:solidFill>
-              <a:latin typeface="微软雅黑" panose="020B0503020204020204" charset="-122"/>
-              <a:ea typeface="微软雅黑" panose="020B0503020204020204" charset="-122"/>
+              <a:latin typeface="微软雅黑" charset="-122"/>
+              <a:ea typeface="微软雅黑" charset="-122"/>
               <a:sym typeface="+mn-ea"/>
             </a:endParaRPr>
           </a:p>
@@ -21828,7 +20762,7 @@
                   <a:schemeClr val="accent2"/>
                 </a:solidFill>
                 <a:latin typeface="+mn-lt"/>
-                <a:ea typeface="微软雅黑" panose="020B0503020204020204" charset="-122"/>
+                <a:ea typeface="微软雅黑" charset="-122"/>
                 <a:cs typeface="+mn-lt"/>
               </a:rPr>
               <a:t>micro:bit p</a:t>
@@ -21839,7 +20773,7 @@
                   <a:schemeClr val="accent2"/>
                 </a:solidFill>
                 <a:latin typeface="+mn-lt"/>
-                <a:ea typeface="微软雅黑" panose="020B0503020204020204" charset="-122"/>
+                <a:ea typeface="微软雅黑" charset="-122"/>
                 <a:cs typeface="+mn-lt"/>
               </a:rPr>
               <a:t>rogramming tutorial</a:t>
@@ -21849,7 +20783,7 @@
                 <a:schemeClr val="accent2"/>
               </a:solidFill>
               <a:latin typeface="+mn-lt"/>
-              <a:ea typeface="微软雅黑" panose="020B0503020204020204" charset="-122"/>
+              <a:ea typeface="微软雅黑" charset="-122"/>
               <a:cs typeface="+mn-lt"/>
             </a:endParaRPr>
           </a:p>
@@ -22250,8 +21184,8 @@
                 <a:solidFill>
                   <a:schemeClr val="bg1"/>
                 </a:solidFill>
-                <a:latin typeface="微软雅黑" panose="020B0503020204020204" charset="-122"/>
-                <a:ea typeface="微软雅黑" panose="020B0503020204020204" charset="-122"/>
+                <a:latin typeface="微软雅黑" charset="-122"/>
+                <a:ea typeface="微软雅黑" charset="-122"/>
                 <a:sym typeface="+mn-ea"/>
               </a:rPr>
               <a:t> Yahboom</a:t>
@@ -22261,8 +21195,8 @@
                 <a:solidFill>
                   <a:schemeClr val="bg1"/>
                 </a:solidFill>
-                <a:latin typeface="微软雅黑" panose="020B0503020204020204" charset="-122"/>
-                <a:ea typeface="微软雅黑" panose="020B0503020204020204" charset="-122"/>
+                <a:latin typeface="微软雅黑" charset="-122"/>
+                <a:ea typeface="微软雅黑" charset="-122"/>
                 <a:sym typeface="+mn-ea"/>
               </a:rPr>
               <a:t>     </a:t>
@@ -22272,8 +21206,8 @@
                 <a:solidFill>
                   <a:schemeClr val="bg1"/>
                 </a:solidFill>
-                <a:latin typeface="微软雅黑" panose="020B0503020204020204" charset="-122"/>
-                <a:ea typeface="微软雅黑" panose="020B0503020204020204" charset="-122"/>
+                <a:latin typeface="微软雅黑" charset="-122"/>
+                <a:ea typeface="微软雅黑" charset="-122"/>
                 <a:sym typeface="+mn-ea"/>
               </a:rPr>
               <a:t>micro:bit t</a:t>
@@ -22283,8 +21217,8 @@
                 <a:solidFill>
                   <a:schemeClr val="bg1"/>
                 </a:solidFill>
-                <a:latin typeface="微软雅黑" panose="020B0503020204020204" charset="-122"/>
-                <a:ea typeface="微软雅黑" panose="020B0503020204020204" charset="-122"/>
+                <a:latin typeface="微软雅黑" charset="-122"/>
+                <a:ea typeface="微软雅黑" charset="-122"/>
                 <a:sym typeface="+mn-ea"/>
               </a:rPr>
               <a:t>utorial</a:t>
@@ -22293,8 +21227,8 @@
               <a:solidFill>
                 <a:schemeClr val="bg1"/>
               </a:solidFill>
-              <a:latin typeface="微软雅黑" panose="020B0503020204020204" charset="-122"/>
-              <a:ea typeface="微软雅黑" panose="020B0503020204020204" charset="-122"/>
+              <a:latin typeface="微软雅黑" charset="-122"/>
+              <a:ea typeface="微软雅黑" charset="-122"/>
               <a:sym typeface="+mn-ea"/>
             </a:endParaRPr>
           </a:p>
@@ -23043,7 +21977,7 @@
                   <a:schemeClr val="accent2"/>
                 </a:solidFill>
                 <a:latin typeface="+mn-lt"/>
-                <a:ea typeface="微软雅黑" panose="020B0503020204020204" charset="-122"/>
+                <a:ea typeface="微软雅黑" charset="-122"/>
                 <a:cs typeface="+mn-lt"/>
               </a:rPr>
               <a:t>micro:bit p</a:t>
@@ -23054,7 +21988,7 @@
                   <a:schemeClr val="accent2"/>
                 </a:solidFill>
                 <a:latin typeface="+mn-lt"/>
-                <a:ea typeface="微软雅黑" panose="020B0503020204020204" charset="-122"/>
+                <a:ea typeface="微软雅黑" charset="-122"/>
                 <a:cs typeface="+mn-lt"/>
               </a:rPr>
               <a:t>rogramming tutorial</a:t>
@@ -23064,7 +21998,7 @@
                 <a:schemeClr val="accent2"/>
               </a:solidFill>
               <a:latin typeface="+mn-lt"/>
-              <a:ea typeface="微软雅黑" panose="020B0503020204020204" charset="-122"/>
+              <a:ea typeface="微软雅黑" charset="-122"/>
               <a:cs typeface="+mn-lt"/>
             </a:endParaRPr>
           </a:p>
@@ -23465,8 +22399,8 @@
                 <a:solidFill>
                   <a:schemeClr val="bg1"/>
                 </a:solidFill>
-                <a:latin typeface="微软雅黑" panose="020B0503020204020204" charset="-122"/>
-                <a:ea typeface="微软雅黑" panose="020B0503020204020204" charset="-122"/>
+                <a:latin typeface="微软雅黑" charset="-122"/>
+                <a:ea typeface="微软雅黑" charset="-122"/>
                 <a:sym typeface="+mn-ea"/>
               </a:rPr>
               <a:t> Yahboom</a:t>
@@ -23476,8 +22410,8 @@
                 <a:solidFill>
                   <a:schemeClr val="bg1"/>
                 </a:solidFill>
-                <a:latin typeface="微软雅黑" panose="020B0503020204020204" charset="-122"/>
-                <a:ea typeface="微软雅黑" panose="020B0503020204020204" charset="-122"/>
+                <a:latin typeface="微软雅黑" charset="-122"/>
+                <a:ea typeface="微软雅黑" charset="-122"/>
                 <a:sym typeface="+mn-ea"/>
               </a:rPr>
               <a:t>     </a:t>
@@ -23487,8 +22421,8 @@
                 <a:solidFill>
                   <a:schemeClr val="bg1"/>
                 </a:solidFill>
-                <a:latin typeface="微软雅黑" panose="020B0503020204020204" charset="-122"/>
-                <a:ea typeface="微软雅黑" panose="020B0503020204020204" charset="-122"/>
+                <a:latin typeface="微软雅黑" charset="-122"/>
+                <a:ea typeface="微软雅黑" charset="-122"/>
                 <a:sym typeface="+mn-ea"/>
               </a:rPr>
               <a:t>micro:bit t</a:t>
@@ -23498,8 +22432,8 @@
                 <a:solidFill>
                   <a:schemeClr val="bg1"/>
                 </a:solidFill>
-                <a:latin typeface="微软雅黑" panose="020B0503020204020204" charset="-122"/>
-                <a:ea typeface="微软雅黑" panose="020B0503020204020204" charset="-122"/>
+                <a:latin typeface="微软雅黑" charset="-122"/>
+                <a:ea typeface="微软雅黑" charset="-122"/>
                 <a:sym typeface="+mn-ea"/>
               </a:rPr>
               <a:t>utorial</a:t>
@@ -23508,8 +22442,8 @@
               <a:solidFill>
                 <a:schemeClr val="bg1"/>
               </a:solidFill>
-              <a:latin typeface="微软雅黑" panose="020B0503020204020204" charset="-122"/>
-              <a:ea typeface="微软雅黑" panose="020B0503020204020204" charset="-122"/>
+              <a:latin typeface="微软雅黑" charset="-122"/>
+              <a:ea typeface="微软雅黑" charset="-122"/>
               <a:sym typeface="+mn-ea"/>
             </a:endParaRPr>
           </a:p>
@@ -24122,7 +23056,7 @@
                     <a:lumMod val="75000"/>
                   </a:schemeClr>
                 </a:solidFill>
-                <a:ea typeface="微软雅黑 Light" panose="020B0502040204020203" charset="-122"/>
+                <a:ea typeface="微软雅黑 Light" charset="-122"/>
                 <a:cs typeface="+mn-lt"/>
               </a:rPr>
               <a:t>      </a:t>
@@ -24134,7 +23068,7 @@
                     <a:lumMod val="75000"/>
                   </a:schemeClr>
                 </a:solidFill>
-                <a:ea typeface="微软雅黑 Light" panose="020B0502040204020203" charset="-122"/>
+                <a:ea typeface="微软雅黑 Light" charset="-122"/>
                 <a:cs typeface="+mn-lt"/>
               </a:rPr>
               <a:t>When there are many choices, you can click on the pinion above. Drag the "else if" on the left to the bottom of the "if" on the right, and click on the pinion again.</a:t>
@@ -24145,7 +23079,7 @@
                   <a:lumMod val="75000"/>
                 </a:schemeClr>
               </a:solidFill>
-              <a:ea typeface="微软雅黑 Light" panose="020B0502040204020203" charset="-122"/>
+              <a:ea typeface="微软雅黑 Light" charset="-122"/>
               <a:cs typeface="+mn-lt"/>
             </a:endParaRPr>
           </a:p>
@@ -24222,7 +23156,7 @@
                   <a:schemeClr val="accent2"/>
                 </a:solidFill>
                 <a:latin typeface="+mn-lt"/>
-                <a:ea typeface="微软雅黑" panose="020B0503020204020204" charset="-122"/>
+                <a:ea typeface="微软雅黑" charset="-122"/>
                 <a:cs typeface="+mn-lt"/>
               </a:rPr>
               <a:t>micro:bit p</a:t>
@@ -24233,7 +23167,7 @@
                   <a:schemeClr val="accent2"/>
                 </a:solidFill>
                 <a:latin typeface="+mn-lt"/>
-                <a:ea typeface="微软雅黑" panose="020B0503020204020204" charset="-122"/>
+                <a:ea typeface="微软雅黑" charset="-122"/>
                 <a:cs typeface="+mn-lt"/>
               </a:rPr>
               <a:t>rogramming tutorial</a:t>
@@ -24243,7 +23177,7 @@
                 <a:schemeClr val="accent2"/>
               </a:solidFill>
               <a:latin typeface="+mn-lt"/>
-              <a:ea typeface="微软雅黑" panose="020B0503020204020204" charset="-122"/>
+              <a:ea typeface="微软雅黑" charset="-122"/>
               <a:cs typeface="+mn-lt"/>
             </a:endParaRPr>
           </a:p>
@@ -24644,8 +23578,8 @@
                 <a:solidFill>
                   <a:schemeClr val="bg1"/>
                 </a:solidFill>
-                <a:latin typeface="微软雅黑" panose="020B0503020204020204" charset="-122"/>
-                <a:ea typeface="微软雅黑" panose="020B0503020204020204" charset="-122"/>
+                <a:latin typeface="微软雅黑" charset="-122"/>
+                <a:ea typeface="微软雅黑" charset="-122"/>
                 <a:sym typeface="+mn-ea"/>
               </a:rPr>
               <a:t> Yahboom</a:t>
@@ -24655,8 +23589,8 @@
                 <a:solidFill>
                   <a:schemeClr val="bg1"/>
                 </a:solidFill>
-                <a:latin typeface="微软雅黑" panose="020B0503020204020204" charset="-122"/>
-                <a:ea typeface="微软雅黑" panose="020B0503020204020204" charset="-122"/>
+                <a:latin typeface="微软雅黑" charset="-122"/>
+                <a:ea typeface="微软雅黑" charset="-122"/>
                 <a:sym typeface="+mn-ea"/>
               </a:rPr>
               <a:t>     </a:t>
@@ -24666,8 +23600,8 @@
                 <a:solidFill>
                   <a:schemeClr val="bg1"/>
                 </a:solidFill>
-                <a:latin typeface="微软雅黑" panose="020B0503020204020204" charset="-122"/>
-                <a:ea typeface="微软雅黑" panose="020B0503020204020204" charset="-122"/>
+                <a:latin typeface="微软雅黑" charset="-122"/>
+                <a:ea typeface="微软雅黑" charset="-122"/>
                 <a:sym typeface="+mn-ea"/>
               </a:rPr>
               <a:t>micro:bit t</a:t>
@@ -24677,8 +23611,8 @@
                 <a:solidFill>
                   <a:schemeClr val="bg1"/>
                 </a:solidFill>
-                <a:latin typeface="微软雅黑" panose="020B0503020204020204" charset="-122"/>
-                <a:ea typeface="微软雅黑" panose="020B0503020204020204" charset="-122"/>
+                <a:latin typeface="微软雅黑" charset="-122"/>
+                <a:ea typeface="微软雅黑" charset="-122"/>
                 <a:sym typeface="+mn-ea"/>
               </a:rPr>
               <a:t>utorial</a:t>
@@ -24687,8 +23621,8 @@
               <a:solidFill>
                 <a:schemeClr val="bg1"/>
               </a:solidFill>
-              <a:latin typeface="微软雅黑" panose="020B0503020204020204" charset="-122"/>
-              <a:ea typeface="微软雅黑" panose="020B0503020204020204" charset="-122"/>
+              <a:latin typeface="微软雅黑" charset="-122"/>
+              <a:ea typeface="微软雅黑" charset="-122"/>
               <a:sym typeface="+mn-ea"/>
             </a:endParaRPr>
           </a:p>
@@ -24953,6 +23887,8 @@
       </a:bgFillStyleLst>
     </a:fmtScheme>
   </a:themeElements>
+  <a:objectDefaults/>
+  <a:extraClrSchemeLst/>
   <a:extLst>
     <a:ext uri="{05A4C25C-085E-4340-85A3-A5531E510DB2}">
       <thm15:themeFamily xmlns:thm15="http://schemas.microsoft.com/office/thememl/2012/main" name="Office Theme" id="{62F939B6-93AF-4DB8-9C6B-D6C7DFDC589F}" vid="{4A3C46E8-61CC-4603-A589-7422A47A8E4A}"/>
